--- a/slides/00ML_CourseIntro.pptx
+++ b/slides/00ML_CourseIntro.pptx
@@ -216,7 +216,7 @@
           <a:p>
             <a:fld id="{C5F2B991-7762-4FD0-8B75-FBCEED4C176B}" type="datetimeFigureOut">
               <a:rPr lang="en-US" smtClean="0"/>
-              <a:t>2/9/2020</a:t>
+              <a:t>3/9/2020</a:t>
             </a:fld>
             <a:endParaRPr lang="en-US"/>
           </a:p>
@@ -806,6 +806,286 @@
           <a:lstStyle/>
           <a:p>
             <a:r>
+              <a:rPr lang="es-419" b="1" dirty="0" err="1"/>
+              <a:t>Continuous</a:t>
+            </a:r>
+            <a:r>
+              <a:rPr lang="es-419" dirty="0"/>
+              <a:t>, </a:t>
+            </a:r>
+            <a:r>
+              <a:rPr lang="es-419" b="1" dirty="0"/>
+              <a:t>Ordinal</a:t>
+            </a:r>
+            <a:r>
+              <a:rPr lang="es-419" dirty="0"/>
+              <a:t>, </a:t>
+            </a:r>
+            <a:r>
+              <a:rPr lang="es-419" b="1" dirty="0" err="1"/>
+              <a:t>categorical</a:t>
+            </a:r>
+            <a:r>
+              <a:rPr lang="es-419" dirty="0"/>
+              <a:t> </a:t>
+            </a:r>
+            <a:r>
+              <a:rPr lang="en-US" dirty="0"/>
+              <a:t>(a.k.a. </a:t>
+            </a:r>
+            <a:r>
+              <a:rPr lang="en-US" b="1" dirty="0"/>
+              <a:t>nominal</a:t>
+            </a:r>
+            <a:r>
+              <a:rPr lang="en-US" dirty="0"/>
+              <a:t>) </a:t>
+            </a:r>
+            <a:r>
+              <a:rPr lang="en-US" b="1" dirty="0"/>
+              <a:t>binary</a:t>
+            </a:r>
+            <a:r>
+              <a:rPr lang="en-US" dirty="0"/>
+              <a:t> as example of categorical, </a:t>
+            </a:r>
+            <a:r>
+              <a:rPr lang="en-US" b="1" dirty="0" err="1"/>
+              <a:t>likert</a:t>
+            </a:r>
+            <a:r>
+              <a:rPr lang="en-US" dirty="0"/>
+              <a:t>.</a:t>
+            </a:r>
+          </a:p>
+          <a:p>
+            <a:endParaRPr lang="en-US" dirty="0"/>
+          </a:p>
+          <a:p>
+            <a:r>
+              <a:rPr lang="en-US" dirty="0"/>
+              <a:t>Ordinal: bad, regular, good, excellent</a:t>
+            </a:r>
+          </a:p>
+          <a:p>
+            <a:r>
+              <a:rPr lang="en-US" dirty="0"/>
+              <a:t>Categorical: Red, Green, Blue</a:t>
+            </a:r>
+          </a:p>
+          <a:p>
+            <a:endParaRPr lang="en-US" dirty="0"/>
+          </a:p>
+          <a:p>
+            <a:r>
+              <a:rPr lang="en-US" sz="1200" b="0" i="0" u="none" strike="noStrike" kern="1200" dirty="0">
+                <a:solidFill>
+                  <a:schemeClr val="tx1"/>
+                </a:solidFill>
+                <a:effectLst/>
+                <a:latin typeface="+mn-lt"/>
+                <a:ea typeface="+mn-ea"/>
+                <a:cs typeface="+mn-cs"/>
+              </a:rPr>
+              <a:t>ordinal = ordered "categorical"</a:t>
+            </a:r>
+            <a:br>
+              <a:rPr lang="en-US" dirty="0"/>
+            </a:br>
+            <a:r>
+              <a:rPr lang="en-US" sz="1200" b="1" i="0" u="none" strike="noStrike" kern="1200" dirty="0">
+                <a:solidFill>
+                  <a:schemeClr val="tx1"/>
+                </a:solidFill>
+                <a:effectLst/>
+                <a:latin typeface="+mn-lt"/>
+                <a:ea typeface="+mn-ea"/>
+                <a:cs typeface="+mn-cs"/>
+              </a:rPr>
+              <a:t>interval</a:t>
+            </a:r>
+            <a:r>
+              <a:rPr lang="en-US" sz="1200" b="0" i="0" u="none" strike="noStrike" kern="1200" dirty="0">
+                <a:solidFill>
+                  <a:schemeClr val="tx1"/>
+                </a:solidFill>
+                <a:effectLst/>
+                <a:latin typeface="+mn-lt"/>
+                <a:ea typeface="+mn-ea"/>
+                <a:cs typeface="+mn-cs"/>
+              </a:rPr>
+              <a:t> = equally spaced ordinal vars.</a:t>
+            </a:r>
+            <a:br>
+              <a:rPr lang="en-US" dirty="0"/>
+            </a:br>
+            <a:r>
+              <a:rPr lang="en-US" sz="1200" b="1" i="0" u="none" strike="noStrike" kern="1200" dirty="0">
+                <a:solidFill>
+                  <a:schemeClr val="tx1"/>
+                </a:solidFill>
+                <a:effectLst/>
+                <a:latin typeface="+mn-lt"/>
+                <a:ea typeface="+mn-ea"/>
+                <a:cs typeface="+mn-cs"/>
+              </a:rPr>
+              <a:t>ratio</a:t>
+            </a:r>
+            <a:r>
+              <a:rPr lang="en-US" sz="1200" b="0" i="0" u="none" strike="noStrike" kern="1200" dirty="0">
+                <a:solidFill>
+                  <a:schemeClr val="tx1"/>
+                </a:solidFill>
+                <a:effectLst/>
+                <a:latin typeface="+mn-lt"/>
+                <a:ea typeface="+mn-ea"/>
+                <a:cs typeface="+mn-cs"/>
+              </a:rPr>
+              <a:t> = interval variables with zero</a:t>
+            </a:r>
+            <a:endParaRPr lang="en-US" dirty="0"/>
+          </a:p>
+          <a:p>
+            <a:endParaRPr lang="en-US" dirty="0"/>
+          </a:p>
+          <a:p>
+            <a:r>
+              <a:rPr lang="en-US" b="1" dirty="0"/>
+              <a:t>Truncated</a:t>
+            </a:r>
+            <a:r>
+              <a:rPr lang="en-US" dirty="0"/>
+              <a:t>, </a:t>
+            </a:r>
+            <a:r>
+              <a:rPr lang="en-US" b="1" dirty="0"/>
+              <a:t>censored</a:t>
+            </a:r>
+            <a:r>
+              <a:rPr lang="en-US" dirty="0"/>
+              <a:t>, </a:t>
+            </a:r>
+            <a:r>
+              <a:rPr lang="en-US" b="1" dirty="0"/>
+              <a:t>compositional</a:t>
+            </a:r>
+          </a:p>
+          <a:p>
+            <a:r>
+              <a:rPr lang="en-US" sz="1200" b="0" i="0" u="none" strike="noStrike" kern="1200" dirty="0">
+                <a:solidFill>
+                  <a:schemeClr val="tx1"/>
+                </a:solidFill>
+                <a:effectLst/>
+                <a:latin typeface="+mn-lt"/>
+                <a:ea typeface="+mn-ea"/>
+                <a:cs typeface="+mn-cs"/>
+              </a:rPr>
+              <a:t>Truncated data is data with intervals removed. Censored is data in which data falling in a given interval are grouped.</a:t>
+            </a:r>
+            <a:br>
+              <a:rPr lang="en-US" dirty="0"/>
+            </a:br>
+            <a:endParaRPr lang="en-US" dirty="0"/>
+          </a:p>
+          <a:p>
+            <a:r>
+              <a:rPr lang="en-US" dirty="0">
+                <a:hlinkClick r:id="rId3"/>
+              </a:rPr>
+              <a:t>https://www.theanalysisfactor.com/the-difference-between-truncated-and-censored-data/</a:t>
+            </a:r>
+            <a:endParaRPr lang="en-US" dirty="0"/>
+          </a:p>
+          <a:p>
+            <a:endParaRPr lang="en-US" dirty="0"/>
+          </a:p>
+          <a:p>
+            <a:endParaRPr lang="en-US" dirty="0"/>
+          </a:p>
+        </p:txBody>
+      </p:sp>
+      <p:sp>
+        <p:nvSpPr>
+          <p:cNvPr id="4" name="Slide Number Placeholder 3"/>
+          <p:cNvSpPr>
+            <a:spLocks noGrp="1"/>
+          </p:cNvSpPr>
+          <p:nvPr>
+            <p:ph type="sldNum" sz="quarter" idx="5"/>
+          </p:nvPr>
+        </p:nvSpPr>
+        <p:spPr/>
+        <p:txBody>
+          <a:bodyPr/>
+          <a:lstStyle/>
+          <a:p>
+            <a:fld id="{C4F5526F-F2BE-4FED-81ED-976F88FFEC7F}" type="slidenum">
+              <a:rPr lang="en-US" smtClean="0"/>
+              <a:t>7</a:t>
+            </a:fld>
+            <a:endParaRPr lang="en-US"/>
+          </a:p>
+        </p:txBody>
+      </p:sp>
+    </p:spTree>
+    <p:extLst>
+      <p:ext uri="{BB962C8B-B14F-4D97-AF65-F5344CB8AC3E}">
+        <p14:creationId xmlns:p14="http://schemas.microsoft.com/office/powerpoint/2010/main" val="2613452472"/>
+      </p:ext>
+    </p:extLst>
+  </p:cSld>
+  <p:clrMapOvr>
+    <a:masterClrMapping/>
+  </p:clrMapOvr>
+</p:notes>
+</file>
+
+<file path=ppt/notesSlides/notesSlide5.xml><?xml version="1.0" encoding="utf-8"?>
+<p:notes xmlns:a="http://schemas.openxmlformats.org/drawingml/2006/main" xmlns:r="http://schemas.openxmlformats.org/officeDocument/2006/relationships" xmlns:p="http://schemas.openxmlformats.org/presentationml/2006/main">
+  <p:cSld>
+    <p:spTree>
+      <p:nvGrpSpPr>
+        <p:cNvPr id="1" name=""/>
+        <p:cNvGrpSpPr/>
+        <p:nvPr/>
+      </p:nvGrpSpPr>
+      <p:grpSpPr>
+        <a:xfrm>
+          <a:off x="0" y="0"/>
+          <a:ext cx="0" cy="0"/>
+          <a:chOff x="0" y="0"/>
+          <a:chExt cx="0" cy="0"/>
+        </a:xfrm>
+      </p:grpSpPr>
+      <p:sp>
+        <p:nvSpPr>
+          <p:cNvPr id="2" name="Slide Image Placeholder 1"/>
+          <p:cNvSpPr>
+            <a:spLocks noGrp="1" noRot="1" noChangeAspect="1"/>
+          </p:cNvSpPr>
+          <p:nvPr>
+            <p:ph type="sldImg"/>
+          </p:nvPr>
+        </p:nvSpPr>
+        <p:spPr/>
+      </p:sp>
+      <p:sp>
+        <p:nvSpPr>
+          <p:cNvPr id="3" name="Notes Placeholder 2"/>
+          <p:cNvSpPr>
+            <a:spLocks noGrp="1"/>
+          </p:cNvSpPr>
+          <p:nvPr>
+            <p:ph type="body" idx="1"/>
+          </p:nvPr>
+        </p:nvSpPr>
+        <p:spPr/>
+        <p:txBody>
+          <a:bodyPr/>
+          <a:lstStyle/>
+          <a:p>
+            <a:r>
               <a:rPr lang="en-US" dirty="0"/>
               <a:t>What are the concepts leaned? Feature, labels, error, training set. (By asking this question, students are move to speak in English, at least some words)</a:t>
             </a:r>
@@ -995,7 +1275,7 @@
           <a:p>
             <a:fld id="{AD5F67BE-FA4E-4E0B-ADD2-E9EACB8A83D4}" type="datetimeFigureOut">
               <a:rPr lang="en-US" smtClean="0"/>
-              <a:t>2/9/2020</a:t>
+              <a:t>3/9/2020</a:t>
             </a:fld>
             <a:endParaRPr lang="en-US"/>
           </a:p>
@@ -1193,7 +1473,7 @@
           <a:p>
             <a:fld id="{AD5F67BE-FA4E-4E0B-ADD2-E9EACB8A83D4}" type="datetimeFigureOut">
               <a:rPr lang="en-US" smtClean="0"/>
-              <a:t>2/9/2020</a:t>
+              <a:t>3/9/2020</a:t>
             </a:fld>
             <a:endParaRPr lang="en-US"/>
           </a:p>
@@ -1401,7 +1681,7 @@
           <a:p>
             <a:fld id="{AD5F67BE-FA4E-4E0B-ADD2-E9EACB8A83D4}" type="datetimeFigureOut">
               <a:rPr lang="en-US" smtClean="0"/>
-              <a:t>2/9/2020</a:t>
+              <a:t>3/9/2020</a:t>
             </a:fld>
             <a:endParaRPr lang="en-US"/>
           </a:p>
@@ -1599,7 +1879,7 @@
           <a:p>
             <a:fld id="{AD5F67BE-FA4E-4E0B-ADD2-E9EACB8A83D4}" type="datetimeFigureOut">
               <a:rPr lang="en-US" smtClean="0"/>
-              <a:t>2/9/2020</a:t>
+              <a:t>3/9/2020</a:t>
             </a:fld>
             <a:endParaRPr lang="en-US"/>
           </a:p>
@@ -1874,7 +2154,7 @@
           <a:p>
             <a:fld id="{AD5F67BE-FA4E-4E0B-ADD2-E9EACB8A83D4}" type="datetimeFigureOut">
               <a:rPr lang="en-US" smtClean="0"/>
-              <a:t>2/9/2020</a:t>
+              <a:t>3/9/2020</a:t>
             </a:fld>
             <a:endParaRPr lang="en-US"/>
           </a:p>
@@ -2139,7 +2419,7 @@
           <a:p>
             <a:fld id="{AD5F67BE-FA4E-4E0B-ADD2-E9EACB8A83D4}" type="datetimeFigureOut">
               <a:rPr lang="en-US" smtClean="0"/>
-              <a:t>2/9/2020</a:t>
+              <a:t>3/9/2020</a:t>
             </a:fld>
             <a:endParaRPr lang="en-US"/>
           </a:p>
@@ -2551,7 +2831,7 @@
           <a:p>
             <a:fld id="{AD5F67BE-FA4E-4E0B-ADD2-E9EACB8A83D4}" type="datetimeFigureOut">
               <a:rPr lang="en-US" smtClean="0"/>
-              <a:t>2/9/2020</a:t>
+              <a:t>3/9/2020</a:t>
             </a:fld>
             <a:endParaRPr lang="en-US"/>
           </a:p>
@@ -2692,7 +2972,7 @@
           <a:p>
             <a:fld id="{AD5F67BE-FA4E-4E0B-ADD2-E9EACB8A83D4}" type="datetimeFigureOut">
               <a:rPr lang="en-US" smtClean="0"/>
-              <a:t>2/9/2020</a:t>
+              <a:t>3/9/2020</a:t>
             </a:fld>
             <a:endParaRPr lang="en-US"/>
           </a:p>
@@ -2805,7 +3085,7 @@
           <a:p>
             <a:fld id="{AD5F67BE-FA4E-4E0B-ADD2-E9EACB8A83D4}" type="datetimeFigureOut">
               <a:rPr lang="en-US" smtClean="0"/>
-              <a:t>2/9/2020</a:t>
+              <a:t>3/9/2020</a:t>
             </a:fld>
             <a:endParaRPr lang="en-US"/>
           </a:p>
@@ -3116,7 +3396,7 @@
           <a:p>
             <a:fld id="{AD5F67BE-FA4E-4E0B-ADD2-E9EACB8A83D4}" type="datetimeFigureOut">
               <a:rPr lang="en-US" smtClean="0"/>
-              <a:t>2/9/2020</a:t>
+              <a:t>3/9/2020</a:t>
             </a:fld>
             <a:endParaRPr lang="en-US"/>
           </a:p>
@@ -3404,7 +3684,7 @@
           <a:p>
             <a:fld id="{AD5F67BE-FA4E-4E0B-ADD2-E9EACB8A83D4}" type="datetimeFigureOut">
               <a:rPr lang="en-US" smtClean="0"/>
-              <a:t>2/9/2020</a:t>
+              <a:t>3/9/2020</a:t>
             </a:fld>
             <a:endParaRPr lang="en-US"/>
           </a:p>
@@ -3645,7 +3925,7 @@
           <a:p>
             <a:fld id="{AD5F67BE-FA4E-4E0B-ADD2-E9EACB8A83D4}" type="datetimeFigureOut">
               <a:rPr lang="en-US" smtClean="0"/>
-              <a:t>2/9/2020</a:t>
+              <a:t>3/9/2020</a:t>
             </a:fld>
             <a:endParaRPr lang="en-US"/>
           </a:p>
@@ -6218,52 +6498,6 @@
           </a:extLst>
         </p:spPr>
       </p:pic>
-      <p:pic>
-        <p:nvPicPr>
-          <p:cNvPr id="15" name="Picture 4" descr="Image result for python 3">
-            <a:extLst>
-              <a:ext uri="{FF2B5EF4-FFF2-40B4-BE49-F238E27FC236}">
-                <a16:creationId xmlns:a16="http://schemas.microsoft.com/office/drawing/2014/main" id="{9525EAD9-6422-4B1E-8212-B608ACD23554}"/>
-              </a:ext>
-            </a:extLst>
-          </p:cNvPr>
-          <p:cNvPicPr>
-            <a:picLocks noChangeAspect="1" noChangeArrowheads="1"/>
-          </p:cNvPicPr>
-          <p:nvPr/>
-        </p:nvPicPr>
-        <p:blipFill>
-          <a:blip r:embed="rId15">
-            <a:extLst>
-              <a:ext uri="{28A0092B-C50C-407E-A947-70E740481C1C}">
-                <a14:useLocalDpi xmlns:a14="http://schemas.microsoft.com/office/drawing/2010/main" val="0"/>
-              </a:ext>
-            </a:extLst>
-          </a:blip>
-          <a:stretch>
-            <a:fillRect/>
-          </a:stretch>
-        </p:blipFill>
-        <p:spPr bwMode="auto">
-          <a:xfrm>
-            <a:off x="9098954" y="211062"/>
-            <a:ext cx="1796055" cy="1650222"/>
-          </a:xfrm>
-          <a:prstGeom prst="rect">
-            <a:avLst/>
-          </a:prstGeom>
-          <a:noFill/>
-          <a:extLst>
-            <a:ext uri="{909E8E84-426E-40DD-AFC4-6F175D3DCCD1}">
-              <a14:hiddenFill xmlns:a14="http://schemas.microsoft.com/office/drawing/2010/main">
-                <a:solidFill>
-                  <a:srgbClr val="FFFFFF"/>
-                </a:solidFill>
-              </a14:hiddenFill>
-            </a:ext>
-          </a:extLst>
-        </p:spPr>
-      </p:pic>
     </p:spTree>
     <p:extLst>
       <p:ext uri="{BB962C8B-B14F-4D97-AF65-F5344CB8AC3E}">
@@ -6444,8 +6678,8 @@
           </a:p>
         </p:txBody>
       </p:sp>
-      <mc:AlternateContent xmlns:mc="http://schemas.openxmlformats.org/markup-compatibility/2006" xmlns:a14="http://schemas.microsoft.com/office/drawing/2010/main">
-        <mc:Choice Requires="a14">
+      <mc:AlternateContent xmlns:mc="http://schemas.openxmlformats.org/markup-compatibility/2006">
+        <mc:Choice xmlns:a14="http://schemas.microsoft.com/office/drawing/2010/main" Requires="a14">
           <p:graphicFrame>
             <p:nvGraphicFramePr>
               <p:cNvPr id="7" name="Table 7">
@@ -6462,13 +6696,13 @@
                 <p:ph idx="1"/>
                 <p:extLst>
                   <p:ext uri="{D42A27DB-BD31-4B8C-83A1-F6EECF244321}">
-                    <p14:modId xmlns:p14="http://schemas.microsoft.com/office/powerpoint/2010/main" val="3397984643"/>
+                    <p14:modId xmlns:p14="http://schemas.microsoft.com/office/powerpoint/2010/main" val="4122525889"/>
                   </p:ext>
                 </p:extLst>
               </p:nvPr>
             </p:nvGraphicFramePr>
             <p:xfrm>
-              <a:off x="1011506" y="4415583"/>
+              <a:off x="8084235" y="4983334"/>
               <a:ext cx="3269565" cy="1828800"/>
             </p:xfrm>
             <a:graphic>
@@ -6701,7 +6935,7 @@
             </a:graphic>
           </p:graphicFrame>
         </mc:Choice>
-        <mc:Fallback xmlns="">
+        <mc:Fallback>
           <p:graphicFrame>
             <p:nvGraphicFramePr>
               <p:cNvPr id="7" name="Table 7">
@@ -6718,13 +6952,13 @@
                 <p:ph idx="1"/>
                 <p:extLst>
                   <p:ext uri="{D42A27DB-BD31-4B8C-83A1-F6EECF244321}">
-                    <p14:modId xmlns:p14="http://schemas.microsoft.com/office/powerpoint/2010/main" val="3397984643"/>
+                    <p14:modId xmlns:p14="http://schemas.microsoft.com/office/powerpoint/2010/main" val="4122525889"/>
                   </p:ext>
                 </p:extLst>
               </p:nvPr>
             </p:nvGraphicFramePr>
             <p:xfrm>
-              <a:off x="1011506" y="4415583"/>
+              <a:off x="8084235" y="4983334"/>
               <a:ext cx="3269565" cy="1828800"/>
             </p:xfrm>
             <a:graphic>
@@ -6769,7 +7003,7 @@
                         <a:blipFill>
                           <a:blip r:embed="rId3"/>
                           <a:stretch>
-                            <a:fillRect l="-559" t="-1333" r="-202793" b="-304000"/>
+                            <a:fillRect l="-559" t="-1333" r="-202235" b="-304000"/>
                           </a:stretch>
                         </a:blipFill>
                       </a:tcPr>
@@ -6786,7 +7020,7 @@
                         <a:blipFill>
                           <a:blip r:embed="rId3"/>
                           <a:stretch>
-                            <a:fillRect l="-100000" t="-1333" r="-101667" b="-304000"/>
+                            <a:fillRect l="-100559" t="-1333" r="-102235" b="-304000"/>
                           </a:stretch>
                         </a:blipFill>
                       </a:tcPr>
@@ -6803,7 +7037,7 @@
                         <a:blipFill>
                           <a:blip r:embed="rId3"/>
                           <a:stretch>
-                            <a:fillRect l="-201117" t="-1333" r="-2235" b="-304000"/>
+                            <a:fillRect l="-200559" t="-1333" r="-2235" b="-304000"/>
                           </a:stretch>
                         </a:blipFill>
                       </a:tcPr>
@@ -6975,7 +7209,7 @@
         </p:nvSpPr>
         <p:spPr>
           <a:xfrm>
-            <a:off x="1822641" y="2811528"/>
+            <a:off x="8931540" y="4034427"/>
             <a:ext cx="1664924" cy="461665"/>
           </a:xfrm>
           <a:prstGeom prst="rect">
@@ -7009,7 +7243,7 @@
         </p:nvSpPr>
         <p:spPr>
           <a:xfrm>
-            <a:off x="2162020" y="3574033"/>
+            <a:off x="9270919" y="4473172"/>
             <a:ext cx="986167" cy="461665"/>
           </a:xfrm>
           <a:prstGeom prst="rect">
@@ -7151,7 +7385,7 @@
         </p:nvSpPr>
         <p:spPr>
           <a:xfrm>
-            <a:off x="3367600" y="3581934"/>
+            <a:off x="10476499" y="4481073"/>
             <a:ext cx="823687" cy="461665"/>
           </a:xfrm>
           <a:prstGeom prst="rect">
@@ -7189,7 +7423,7 @@
         </p:nvSpPr>
         <p:spPr>
           <a:xfrm>
-            <a:off x="867788" y="3574033"/>
+            <a:off x="7976687" y="4473172"/>
             <a:ext cx="1283108" cy="461665"/>
           </a:xfrm>
           <a:prstGeom prst="rect">
@@ -7490,8 +7724,8 @@
         </p:nvSpPr>
         <p:spPr>
           <a:xfrm>
-            <a:off x="867788" y="1489571"/>
-            <a:ext cx="3043030" cy="1200329"/>
+            <a:off x="638863" y="1547157"/>
+            <a:ext cx="4313082" cy="1569660"/>
           </a:xfrm>
           <a:prstGeom prst="rect">
             <a:avLst/>
@@ -7505,8 +7739,16 @@
           <a:lstStyle/>
           <a:p>
             <a:r>
-              <a:rPr lang="en-US" dirty="0"/>
-              <a:t>All previous concepts used in statistics such as (in)?dependent variable, input/output variables,…</a:t>
+              <a:rPr lang="en-US" sz="2400" dirty="0"/>
+              <a:t>All previous concepts used in statistics such as (in)?dependent variable, input/output variables, </a:t>
+            </a:r>
+            <a:r>
+              <a:rPr lang="en-US" sz="2400" dirty="0" err="1"/>
+              <a:t>etc</a:t>
+            </a:r>
+            <a:r>
+              <a:rPr lang="en-US" sz="2400" dirty="0"/>
+              <a:t> plus the following,</a:t>
             </a:r>
           </a:p>
         </p:txBody>
@@ -7525,8 +7767,8 @@
         </p:nvSpPr>
         <p:spPr>
           <a:xfrm>
-            <a:off x="1274660" y="4919831"/>
-            <a:ext cx="1380443" cy="461665"/>
+            <a:off x="6711699" y="5436069"/>
+            <a:ext cx="1481431" cy="461665"/>
           </a:xfrm>
           <a:prstGeom prst="rect">
             <a:avLst/>
@@ -7544,7 +7786,7 @@
                   <a:srgbClr val="FFC000"/>
                 </a:solidFill>
               </a:rPr>
-              <a:t>Instances</a:t>
+              <a:t>Instance 1</a:t>
             </a:r>
           </a:p>
         </p:txBody>
@@ -7603,7 +7845,7 @@
         </p:nvGrpSpPr>
         <p:grpSpPr>
           <a:xfrm>
-            <a:off x="7597254" y="3825766"/>
+            <a:off x="1308332" y="3589762"/>
             <a:ext cx="3320086" cy="2649793"/>
             <a:chOff x="7291600" y="3465387"/>
             <a:chExt cx="4150107" cy="3312241"/>
@@ -7687,6 +7929,44 @@
           </p:style>
         </p:cxnSp>
       </p:grpSp>
+      <p:sp>
+        <p:nvSpPr>
+          <p:cNvPr id="20" name="Rectangle 19">
+            <a:extLst>
+              <a:ext uri="{FF2B5EF4-FFF2-40B4-BE49-F238E27FC236}">
+                <a16:creationId xmlns:a16="http://schemas.microsoft.com/office/drawing/2014/main" id="{F672B3CC-6188-4036-A099-037A8D79BFE5}"/>
+              </a:ext>
+            </a:extLst>
+          </p:cNvPr>
+          <p:cNvSpPr/>
+          <p:nvPr/>
+        </p:nvSpPr>
+        <p:spPr>
+          <a:xfrm>
+            <a:off x="6711698" y="5849773"/>
+            <a:ext cx="1481431" cy="461665"/>
+          </a:xfrm>
+          <a:prstGeom prst="rect">
+            <a:avLst/>
+          </a:prstGeom>
+        </p:spPr>
+        <p:txBody>
+          <a:bodyPr wrap="none">
+            <a:spAutoFit/>
+          </a:bodyPr>
+          <a:lstStyle/>
+          <a:p>
+            <a:r>
+              <a:rPr lang="en-US" sz="2400" b="1" dirty="0">
+                <a:solidFill>
+                  <a:srgbClr val="FFC000"/>
+                </a:solidFill>
+              </a:rPr>
+              <a:t>Instance 2</a:t>
+            </a:r>
+          </a:p>
+        </p:txBody>
+      </p:sp>
     </p:spTree>
     <p:extLst>
       <p:ext uri="{BB962C8B-B14F-4D97-AF65-F5344CB8AC3E}">
@@ -8389,7 +8669,7 @@
           <p:nvPr/>
         </p:nvPicPr>
         <p:blipFill rotWithShape="1">
-          <a:blip r:embed="rId2"/>
+          <a:blip r:embed="rId3"/>
           <a:srcRect l="38212" t="21381" r="11571" b="15349"/>
           <a:stretch/>
         </p:blipFill>
@@ -8536,7 +8816,7 @@
                 <a:avLst/>
               </a:prstGeom>
               <a:blipFill>
-                <a:blip r:embed="rId3"/>
+                <a:blip r:embed="rId4"/>
                 <a:stretch>
                   <a:fillRect/>
                 </a:stretch>
@@ -8632,7 +8912,7 @@
                 <a:avLst/>
               </a:prstGeom>
               <a:blipFill>
-                <a:blip r:embed="rId4"/>
+                <a:blip r:embed="rId5"/>
                 <a:stretch>
                   <a:fillRect l="-17949" r="-15385"/>
                 </a:stretch>
@@ -8728,7 +9008,7 @@
                 <a:avLst/>
               </a:prstGeom>
               <a:blipFill>
-                <a:blip r:embed="rId5"/>
+                <a:blip r:embed="rId6"/>
                 <a:stretch>
                   <a:fillRect l="-30000" r="-30000" b="-24590"/>
                 </a:stretch>
@@ -8924,7 +9204,7 @@
                 <a:avLst/>
               </a:prstGeom>
               <a:blipFill>
-                <a:blip r:embed="rId6"/>
+                <a:blip r:embed="rId7"/>
                 <a:stretch>
                   <a:fillRect l="-8586" r="-4545" b="-35000"/>
                 </a:stretch>
@@ -9032,7 +9312,7 @@
                 <a:avLst/>
               </a:prstGeom>
               <a:blipFill>
-                <a:blip r:embed="rId7"/>
+                <a:blip r:embed="rId8"/>
                 <a:stretch>
                   <a:fillRect l="-4317" r="-7914" b="-26667"/>
                 </a:stretch>
@@ -9227,7 +9507,7 @@
                 <a:avLst/>
               </a:prstGeom>
               <a:blipFill>
-                <a:blip r:embed="rId8"/>
+                <a:blip r:embed="rId9"/>
                 <a:stretch>
                   <a:fillRect l="-3695" r="-2463" b="-34426"/>
                 </a:stretch>
@@ -9509,7 +9789,7 @@
                 <a:avLst/>
               </a:prstGeom>
               <a:blipFill>
-                <a:blip r:embed="rId9"/>
+                <a:blip r:embed="rId10"/>
                 <a:stretch>
                   <a:fillRect l="-287" r="-287" b="-34426"/>
                 </a:stretch>
@@ -10199,7 +10479,7 @@
                       </a:txBody>
                       <a:tcPr anchor="ctr">
                         <a:blipFill>
-                          <a:blip r:embed="rId10"/>
+                          <a:blip r:embed="rId11"/>
                           <a:stretch>
                             <a:fillRect l="-100541" t="-7692" r="-301081" b="-304615"/>
                           </a:stretch>
@@ -10230,7 +10510,7 @@
                       </a:txBody>
                       <a:tcPr anchor="ctr">
                         <a:blipFill>
-                          <a:blip r:embed="rId10"/>
+                          <a:blip r:embed="rId11"/>
                           <a:stretch>
                             <a:fillRect l="-300000" t="-7692" r="-101622" b="-304615"/>
                           </a:stretch>
@@ -10425,7 +10705,7 @@
                       </a:txBody>
                       <a:tcPr anchor="ctr">
                         <a:blipFill>
-                          <a:blip r:embed="rId10"/>
+                          <a:blip r:embed="rId11"/>
                           <a:stretch>
                             <a:fillRect l="-1087" t="-309231" r="-403261" b="-3077"/>
                           </a:stretch>
@@ -10442,7 +10722,7 @@
                       </a:txBody>
                       <a:tcPr anchor="ctr">
                         <a:blipFill>
-                          <a:blip r:embed="rId10"/>
+                          <a:blip r:embed="rId11"/>
                           <a:stretch>
                             <a:fillRect l="-100541" t="-309231" r="-301081" b="-3077"/>
                           </a:stretch>
@@ -10470,7 +10750,7 @@
                       </a:txBody>
                       <a:tcPr anchor="ctr">
                         <a:blipFill>
-                          <a:blip r:embed="rId10"/>
+                          <a:blip r:embed="rId11"/>
                           <a:stretch>
                             <a:fillRect l="-300000" t="-309231" r="-101622" b="-3077"/>
                           </a:stretch>
@@ -10487,7 +10767,7 @@
                       </a:txBody>
                       <a:tcPr anchor="ctr">
                         <a:blipFill>
-                          <a:blip r:embed="rId10"/>
+                          <a:blip r:embed="rId11"/>
                           <a:stretch>
                             <a:fillRect l="-402174" t="-309231" r="-2174" b="-3077"/>
                           </a:stretch>
@@ -10830,7 +11110,7 @@
                       </a:txBody>
                       <a:tcPr anchor="ctr">
                         <a:blipFill>
-                          <a:blip r:embed="rId11"/>
+                          <a:blip r:embed="rId12"/>
                           <a:stretch>
                             <a:fillRect l="-51892" t="-7692" r="-2162" b="-304615"/>
                           </a:stretch>
@@ -10934,7 +11214,7 @@
                       </a:txBody>
                       <a:tcPr anchor="ctr">
                         <a:blipFill>
-                          <a:blip r:embed="rId11"/>
+                          <a:blip r:embed="rId12"/>
                           <a:stretch>
                             <a:fillRect l="-1053" t="-309231" r="-198947" b="-3077"/>
                           </a:stretch>
@@ -10951,7 +11231,7 @@
                       </a:txBody>
                       <a:tcPr anchor="ctr">
                         <a:blipFill>
-                          <a:blip r:embed="rId11"/>
+                          <a:blip r:embed="rId12"/>
                           <a:stretch>
                             <a:fillRect l="-51892" t="-309231" r="-2162" b="-3077"/>
                           </a:stretch>

--- a/slides/00ML_CourseIntro.pptx
+++ b/slides/00ML_CourseIntro.pptx
@@ -216,7 +216,7 @@
           <a:p>
             <a:fld id="{C5F2B991-7762-4FD0-8B75-FBCEED4C176B}" type="datetimeFigureOut">
               <a:rPr lang="en-US" smtClean="0"/>
-              <a:t>3/9/2020</a:t>
+              <a:t>3/19/2020</a:t>
             </a:fld>
             <a:endParaRPr lang="en-US"/>
           </a:p>
@@ -719,9 +719,10 @@
           <a:lstStyle/>
           <a:p>
             <a:r>
-              <a:rPr lang="en-US" dirty="0"/>
-              <a:t>What are the concepts leaned? Feature, labels, error, training set. (By asking this question, students are move to speak in English, at least some words)</a:t>
-            </a:r>
+              <a:rPr lang="en-US"/>
+              <a:t>Generalization</a:t>
+            </a:r>
+            <a:endParaRPr lang="en-US" dirty="0"/>
           </a:p>
         </p:txBody>
       </p:sp>
@@ -742,7 +743,7 @@
           <a:p>
             <a:fld id="{C4F5526F-F2BE-4FED-81ED-976F88FFEC7F}" type="slidenum">
               <a:rPr lang="en-US" smtClean="0"/>
-              <a:t>6</a:t>
+              <a:t>5</a:t>
             </a:fld>
             <a:endParaRPr lang="en-US"/>
           </a:p>
@@ -751,7 +752,7 @@
     </p:spTree>
     <p:extLst>
       <p:ext uri="{BB962C8B-B14F-4D97-AF65-F5344CB8AC3E}">
-        <p14:creationId xmlns:p14="http://schemas.microsoft.com/office/powerpoint/2010/main" val="437548392"/>
+        <p14:creationId xmlns:p14="http://schemas.microsoft.com/office/powerpoint/2010/main" val="758942597"/>
       </p:ext>
     </p:extLst>
   </p:cSld>
@@ -806,6 +807,93 @@
           <a:lstStyle/>
           <a:p>
             <a:r>
+              <a:rPr lang="en-US" dirty="0"/>
+              <a:t>What are the concepts leaned? Feature, labels, error, training set. (By asking this question, students are move to speak in English, at least some words)</a:t>
+            </a:r>
+          </a:p>
+        </p:txBody>
+      </p:sp>
+      <p:sp>
+        <p:nvSpPr>
+          <p:cNvPr id="4" name="Slide Number Placeholder 3"/>
+          <p:cNvSpPr>
+            <a:spLocks noGrp="1"/>
+          </p:cNvSpPr>
+          <p:nvPr>
+            <p:ph type="sldNum" sz="quarter" idx="5"/>
+          </p:nvPr>
+        </p:nvSpPr>
+        <p:spPr/>
+        <p:txBody>
+          <a:bodyPr/>
+          <a:lstStyle/>
+          <a:p>
+            <a:fld id="{C4F5526F-F2BE-4FED-81ED-976F88FFEC7F}" type="slidenum">
+              <a:rPr lang="en-US" smtClean="0"/>
+              <a:t>6</a:t>
+            </a:fld>
+            <a:endParaRPr lang="en-US"/>
+          </a:p>
+        </p:txBody>
+      </p:sp>
+    </p:spTree>
+    <p:extLst>
+      <p:ext uri="{BB962C8B-B14F-4D97-AF65-F5344CB8AC3E}">
+        <p14:creationId xmlns:p14="http://schemas.microsoft.com/office/powerpoint/2010/main" val="437548392"/>
+      </p:ext>
+    </p:extLst>
+  </p:cSld>
+  <p:clrMapOvr>
+    <a:masterClrMapping/>
+  </p:clrMapOvr>
+</p:notes>
+</file>
+
+<file path=ppt/notesSlides/notesSlide5.xml><?xml version="1.0" encoding="utf-8"?>
+<p:notes xmlns:a="http://schemas.openxmlformats.org/drawingml/2006/main" xmlns:r="http://schemas.openxmlformats.org/officeDocument/2006/relationships" xmlns:p="http://schemas.openxmlformats.org/presentationml/2006/main">
+  <p:cSld>
+    <p:spTree>
+      <p:nvGrpSpPr>
+        <p:cNvPr id="1" name=""/>
+        <p:cNvGrpSpPr/>
+        <p:nvPr/>
+      </p:nvGrpSpPr>
+      <p:grpSpPr>
+        <a:xfrm>
+          <a:off x="0" y="0"/>
+          <a:ext cx="0" cy="0"/>
+          <a:chOff x="0" y="0"/>
+          <a:chExt cx="0" cy="0"/>
+        </a:xfrm>
+      </p:grpSpPr>
+      <p:sp>
+        <p:nvSpPr>
+          <p:cNvPr id="2" name="Slide Image Placeholder 1"/>
+          <p:cNvSpPr>
+            <a:spLocks noGrp="1" noRot="1" noChangeAspect="1"/>
+          </p:cNvSpPr>
+          <p:nvPr>
+            <p:ph type="sldImg"/>
+          </p:nvPr>
+        </p:nvSpPr>
+        <p:spPr/>
+      </p:sp>
+      <p:sp>
+        <p:nvSpPr>
+          <p:cNvPr id="3" name="Notes Placeholder 2"/>
+          <p:cNvSpPr>
+            <a:spLocks noGrp="1"/>
+          </p:cNvSpPr>
+          <p:nvPr>
+            <p:ph type="body" idx="1"/>
+          </p:nvPr>
+        </p:nvSpPr>
+        <p:spPr/>
+        <p:txBody>
+          <a:bodyPr/>
+          <a:lstStyle/>
+          <a:p>
+            <a:r>
               <a:rPr lang="es-419" b="1" dirty="0" err="1"/>
               <a:t>Continuous</a:t>
             </a:r>
@@ -1041,7 +1129,7 @@
 </p:notes>
 </file>
 
-<file path=ppt/notesSlides/notesSlide5.xml><?xml version="1.0" encoding="utf-8"?>
+<file path=ppt/notesSlides/notesSlide6.xml><?xml version="1.0" encoding="utf-8"?>
 <p:notes xmlns:a="http://schemas.openxmlformats.org/drawingml/2006/main" xmlns:r="http://schemas.openxmlformats.org/officeDocument/2006/relationships" xmlns:p="http://schemas.openxmlformats.org/presentationml/2006/main">
   <p:cSld>
     <p:spTree>
@@ -1275,7 +1363,7 @@
           <a:p>
             <a:fld id="{AD5F67BE-FA4E-4E0B-ADD2-E9EACB8A83D4}" type="datetimeFigureOut">
               <a:rPr lang="en-US" smtClean="0"/>
-              <a:t>3/9/2020</a:t>
+              <a:t>3/19/2020</a:t>
             </a:fld>
             <a:endParaRPr lang="en-US"/>
           </a:p>
@@ -1473,7 +1561,7 @@
           <a:p>
             <a:fld id="{AD5F67BE-FA4E-4E0B-ADD2-E9EACB8A83D4}" type="datetimeFigureOut">
               <a:rPr lang="en-US" smtClean="0"/>
-              <a:t>3/9/2020</a:t>
+              <a:t>3/19/2020</a:t>
             </a:fld>
             <a:endParaRPr lang="en-US"/>
           </a:p>
@@ -1681,7 +1769,7 @@
           <a:p>
             <a:fld id="{AD5F67BE-FA4E-4E0B-ADD2-E9EACB8A83D4}" type="datetimeFigureOut">
               <a:rPr lang="en-US" smtClean="0"/>
-              <a:t>3/9/2020</a:t>
+              <a:t>3/19/2020</a:t>
             </a:fld>
             <a:endParaRPr lang="en-US"/>
           </a:p>
@@ -1879,7 +1967,7 @@
           <a:p>
             <a:fld id="{AD5F67BE-FA4E-4E0B-ADD2-E9EACB8A83D4}" type="datetimeFigureOut">
               <a:rPr lang="en-US" smtClean="0"/>
-              <a:t>3/9/2020</a:t>
+              <a:t>3/19/2020</a:t>
             </a:fld>
             <a:endParaRPr lang="en-US"/>
           </a:p>
@@ -2154,7 +2242,7 @@
           <a:p>
             <a:fld id="{AD5F67BE-FA4E-4E0B-ADD2-E9EACB8A83D4}" type="datetimeFigureOut">
               <a:rPr lang="en-US" smtClean="0"/>
-              <a:t>3/9/2020</a:t>
+              <a:t>3/19/2020</a:t>
             </a:fld>
             <a:endParaRPr lang="en-US"/>
           </a:p>
@@ -2419,7 +2507,7 @@
           <a:p>
             <a:fld id="{AD5F67BE-FA4E-4E0B-ADD2-E9EACB8A83D4}" type="datetimeFigureOut">
               <a:rPr lang="en-US" smtClean="0"/>
-              <a:t>3/9/2020</a:t>
+              <a:t>3/19/2020</a:t>
             </a:fld>
             <a:endParaRPr lang="en-US"/>
           </a:p>
@@ -2831,7 +2919,7 @@
           <a:p>
             <a:fld id="{AD5F67BE-FA4E-4E0B-ADD2-E9EACB8A83D4}" type="datetimeFigureOut">
               <a:rPr lang="en-US" smtClean="0"/>
-              <a:t>3/9/2020</a:t>
+              <a:t>3/19/2020</a:t>
             </a:fld>
             <a:endParaRPr lang="en-US"/>
           </a:p>
@@ -2972,7 +3060,7 @@
           <a:p>
             <a:fld id="{AD5F67BE-FA4E-4E0B-ADD2-E9EACB8A83D4}" type="datetimeFigureOut">
               <a:rPr lang="en-US" smtClean="0"/>
-              <a:t>3/9/2020</a:t>
+              <a:t>3/19/2020</a:t>
             </a:fld>
             <a:endParaRPr lang="en-US"/>
           </a:p>
@@ -3085,7 +3173,7 @@
           <a:p>
             <a:fld id="{AD5F67BE-FA4E-4E0B-ADD2-E9EACB8A83D4}" type="datetimeFigureOut">
               <a:rPr lang="en-US" smtClean="0"/>
-              <a:t>3/9/2020</a:t>
+              <a:t>3/19/2020</a:t>
             </a:fld>
             <a:endParaRPr lang="en-US"/>
           </a:p>
@@ -3396,7 +3484,7 @@
           <a:p>
             <a:fld id="{AD5F67BE-FA4E-4E0B-ADD2-E9EACB8A83D4}" type="datetimeFigureOut">
               <a:rPr lang="en-US" smtClean="0"/>
-              <a:t>3/9/2020</a:t>
+              <a:t>3/19/2020</a:t>
             </a:fld>
             <a:endParaRPr lang="en-US"/>
           </a:p>
@@ -3684,7 +3772,7 @@
           <a:p>
             <a:fld id="{AD5F67BE-FA4E-4E0B-ADD2-E9EACB8A83D4}" type="datetimeFigureOut">
               <a:rPr lang="en-US" smtClean="0"/>
-              <a:t>3/9/2020</a:t>
+              <a:t>3/19/2020</a:t>
             </a:fld>
             <a:endParaRPr lang="en-US"/>
           </a:p>
@@ -3925,7 +4013,7 @@
           <a:p>
             <a:fld id="{AD5F67BE-FA4E-4E0B-ADD2-E9EACB8A83D4}" type="datetimeFigureOut">
               <a:rPr lang="en-US" smtClean="0"/>
-              <a:t>3/9/2020</a:t>
+              <a:t>3/19/2020</a:t>
             </a:fld>
             <a:endParaRPr lang="en-US"/>
           </a:p>
@@ -5935,20 +6023,25 @@
             <p:ph type="title"/>
           </p:nvPr>
         </p:nvSpPr>
-        <p:spPr/>
+        <p:spPr>
+          <a:xfrm>
+            <a:off x="838200" y="291383"/>
+            <a:ext cx="10515600" cy="1325563"/>
+          </a:xfrm>
+        </p:spPr>
         <p:txBody>
           <a:bodyPr/>
           <a:lstStyle/>
           <a:p>
             <a:r>
-              <a:rPr lang="es-419" dirty="0"/>
+              <a:rPr lang="es-419" b="1" dirty="0"/>
               <a:t>Software </a:t>
             </a:r>
             <a:r>
-              <a:rPr lang="es-419" dirty="0" err="1"/>
+              <a:rPr lang="es-419" b="1" dirty="0" err="1"/>
               <a:t>stack</a:t>
             </a:r>
-            <a:endParaRPr lang="en-US" dirty="0"/>
+            <a:endParaRPr lang="en-US" b="1" dirty="0"/>
           </a:p>
         </p:txBody>
       </p:sp>
@@ -6678,8 +6771,8 @@
           </a:p>
         </p:txBody>
       </p:sp>
-      <mc:AlternateContent xmlns:mc="http://schemas.openxmlformats.org/markup-compatibility/2006">
-        <mc:Choice xmlns:a14="http://schemas.microsoft.com/office/drawing/2010/main" Requires="a14">
+      <mc:AlternateContent xmlns:mc="http://schemas.openxmlformats.org/markup-compatibility/2006" xmlns:a14="http://schemas.microsoft.com/office/drawing/2010/main">
+        <mc:Choice Requires="a14">
           <p:graphicFrame>
             <p:nvGraphicFramePr>
               <p:cNvPr id="7" name="Table 7">
@@ -6935,7 +7028,7 @@
             </a:graphic>
           </p:graphicFrame>
         </mc:Choice>
-        <mc:Fallback>
+        <mc:Fallback xmlns="">
           <p:graphicFrame>
             <p:nvGraphicFramePr>
               <p:cNvPr id="7" name="Table 7">
@@ -7943,7 +8036,7 @@
         </p:nvSpPr>
         <p:spPr>
           <a:xfrm>
-            <a:off x="6711698" y="5849773"/>
+            <a:off x="6711698" y="5894017"/>
             <a:ext cx="1481431" cy="461665"/>
           </a:xfrm>
           <a:prstGeom prst="rect">
@@ -7967,6 +8060,108 @@
           </a:p>
         </p:txBody>
       </p:sp>
+      <mc:AlternateContent xmlns:mc="http://schemas.openxmlformats.org/markup-compatibility/2006" xmlns:a14="http://schemas.microsoft.com/office/drawing/2010/main">
+        <mc:Choice Requires="a14">
+          <p:sp>
+            <p:nvSpPr>
+              <p:cNvPr id="21" name="Rectangle 20">
+                <a:extLst>
+                  <a:ext uri="{FF2B5EF4-FFF2-40B4-BE49-F238E27FC236}">
+                    <a16:creationId xmlns:a16="http://schemas.microsoft.com/office/drawing/2014/main" id="{A814F8F3-30EE-40DB-A70B-6618CAB34B89}"/>
+                  </a:ext>
+                </a:extLst>
+              </p:cNvPr>
+              <p:cNvSpPr/>
+              <p:nvPr/>
+            </p:nvSpPr>
+            <p:spPr>
+              <a:xfrm>
+                <a:off x="7277525" y="6334100"/>
+                <a:ext cx="349776" cy="461665"/>
+              </a:xfrm>
+              <a:prstGeom prst="rect">
+                <a:avLst/>
+              </a:prstGeom>
+            </p:spPr>
+            <p:txBody>
+              <a:bodyPr wrap="none">
+                <a:spAutoFit/>
+              </a:bodyPr>
+              <a:lstStyle/>
+              <a:p>
+                <a:pPr/>
+                <a14:m>
+                  <m:oMathPara xmlns:m="http://schemas.openxmlformats.org/officeDocument/2006/math">
+                    <m:oMathParaPr>
+                      <m:jc m:val="centerGroup"/>
+                    </m:oMathParaPr>
+                    <m:oMath xmlns:m="http://schemas.openxmlformats.org/officeDocument/2006/math">
+                      <m:r>
+                        <a:rPr lang="en-US" sz="2400" b="1" i="1" dirty="0" smtClean="0">
+                          <a:solidFill>
+                            <a:srgbClr val="FFC000"/>
+                          </a:solidFill>
+                          <a:latin typeface="Cambria Math" panose="02040503050406030204" pitchFamily="18" charset="0"/>
+                        </a:rPr>
+                        <m:t>⋮</m:t>
+                      </m:r>
+                    </m:oMath>
+                  </m:oMathPara>
+                </a14:m>
+                <a:endParaRPr lang="en-US" sz="2400" b="1" dirty="0">
+                  <a:solidFill>
+                    <a:srgbClr val="FFC000"/>
+                  </a:solidFill>
+                </a:endParaRPr>
+              </a:p>
+            </p:txBody>
+          </p:sp>
+        </mc:Choice>
+        <mc:Fallback xmlns="">
+          <p:sp>
+            <p:nvSpPr>
+              <p:cNvPr id="21" name="Rectangle 20">
+                <a:extLst>
+                  <a:ext uri="{FF2B5EF4-FFF2-40B4-BE49-F238E27FC236}">
+                    <a16:creationId xmlns:a16="http://schemas.microsoft.com/office/drawing/2014/main" id="{A814F8F3-30EE-40DB-A70B-6618CAB34B89}"/>
+                  </a:ext>
+                </a:extLst>
+              </p:cNvPr>
+              <p:cNvSpPr>
+                <a:spLocks noRot="1" noChangeAspect="1" noMove="1" noResize="1" noEditPoints="1" noAdjustHandles="1" noChangeArrowheads="1" noChangeShapeType="1" noTextEdit="1"/>
+              </p:cNvSpPr>
+              <p:nvPr/>
+            </p:nvSpPr>
+            <p:spPr>
+              <a:xfrm>
+                <a:off x="7277525" y="6334100"/>
+                <a:ext cx="349776" cy="461665"/>
+              </a:xfrm>
+              <a:prstGeom prst="rect">
+                <a:avLst/>
+              </a:prstGeom>
+              <a:blipFill>
+                <a:blip r:embed="rId10"/>
+                <a:stretch>
+                  <a:fillRect/>
+                </a:stretch>
+              </a:blipFill>
+            </p:spPr>
+            <p:txBody>
+              <a:bodyPr/>
+              <a:lstStyle/>
+              <a:p>
+                <a:r>
+                  <a:rPr lang="en-US">
+                    <a:noFill/>
+                  </a:rPr>
+                  <a:t> </a:t>
+                </a:r>
+              </a:p>
+            </p:txBody>
+          </p:sp>
+        </mc:Fallback>
+      </mc:AlternateContent>
     </p:spTree>
     <p:extLst>
       <p:ext uri="{BB962C8B-B14F-4D97-AF65-F5344CB8AC3E}">
@@ -8468,7 +8663,7 @@
           </p:nvPr>
         </p:nvPicPr>
         <p:blipFill>
-          <a:blip r:embed="rId2"/>
+          <a:blip r:embed="rId3"/>
           <a:stretch>
             <a:fillRect/>
           </a:stretch>
@@ -8526,7 +8721,7 @@
           <p:nvPr/>
         </p:nvPicPr>
         <p:blipFill>
-          <a:blip r:embed="rId3"/>
+          <a:blip r:embed="rId4"/>
           <a:stretch>
             <a:fillRect/>
           </a:stretch>

--- a/slides/00ML_CourseIntro.pptx
+++ b/slides/00ML_CourseIntro.pptx
@@ -216,7 +216,7 @@
           <a:p>
             <a:fld id="{C5F2B991-7762-4FD0-8B75-FBCEED4C176B}" type="datetimeFigureOut">
               <a:rPr lang="en-US" smtClean="0"/>
-              <a:t>3/19/2020</a:t>
+              <a:t>3/24/2020</a:t>
             </a:fld>
             <a:endParaRPr lang="en-US"/>
           </a:p>
@@ -903,7 +903,23 @@
             </a:r>
             <a:r>
               <a:rPr lang="es-419" b="1" dirty="0"/>
-              <a:t>Ordinal</a:t>
+              <a:t>Ordinal (</a:t>
+            </a:r>
+            <a:r>
+              <a:rPr lang="en-US" b="1" dirty="0" err="1"/>
+              <a:t>likert</a:t>
+            </a:r>
+            <a:r>
+              <a:rPr lang="en-US" b="1" dirty="0"/>
+              <a:t> </a:t>
+            </a:r>
+            <a:r>
+              <a:rPr lang="en-US" b="0" dirty="0"/>
+              <a:t>as example</a:t>
+            </a:r>
+            <a:r>
+              <a:rPr lang="es-419" b="1" dirty="0"/>
+              <a:t>)</a:t>
             </a:r>
             <a:r>
               <a:rPr lang="es-419" dirty="0"/>
@@ -931,19 +947,19 @@
             </a:r>
             <a:r>
               <a:rPr lang="en-US" b="1" dirty="0"/>
+              <a:t>dichotomous </a:t>
+            </a:r>
+            <a:r>
+              <a:rPr lang="en-US" dirty="0"/>
+              <a:t>and </a:t>
+            </a:r>
+            <a:r>
+              <a:rPr lang="en-US" b="1" dirty="0"/>
               <a:t>binary</a:t>
             </a:r>
             <a:r>
               <a:rPr lang="en-US" dirty="0"/>
-              <a:t> as example of categorical, </a:t>
-            </a:r>
-            <a:r>
-              <a:rPr lang="en-US" b="1" dirty="0" err="1"/>
-              <a:t>likert</a:t>
-            </a:r>
-            <a:r>
-              <a:rPr lang="en-US" dirty="0"/>
-              <a:t>.</a:t>
+              <a:t> as example of categorical.</a:t>
             </a:r>
           </a:p>
           <a:p>
@@ -1363,7 +1379,7 @@
           <a:p>
             <a:fld id="{AD5F67BE-FA4E-4E0B-ADD2-E9EACB8A83D4}" type="datetimeFigureOut">
               <a:rPr lang="en-US" smtClean="0"/>
-              <a:t>3/19/2020</a:t>
+              <a:t>3/24/2020</a:t>
             </a:fld>
             <a:endParaRPr lang="en-US"/>
           </a:p>
@@ -1561,7 +1577,7 @@
           <a:p>
             <a:fld id="{AD5F67BE-FA4E-4E0B-ADD2-E9EACB8A83D4}" type="datetimeFigureOut">
               <a:rPr lang="en-US" smtClean="0"/>
-              <a:t>3/19/2020</a:t>
+              <a:t>3/24/2020</a:t>
             </a:fld>
             <a:endParaRPr lang="en-US"/>
           </a:p>
@@ -1769,7 +1785,7 @@
           <a:p>
             <a:fld id="{AD5F67BE-FA4E-4E0B-ADD2-E9EACB8A83D4}" type="datetimeFigureOut">
               <a:rPr lang="en-US" smtClean="0"/>
-              <a:t>3/19/2020</a:t>
+              <a:t>3/24/2020</a:t>
             </a:fld>
             <a:endParaRPr lang="en-US"/>
           </a:p>
@@ -1967,7 +1983,7 @@
           <a:p>
             <a:fld id="{AD5F67BE-FA4E-4E0B-ADD2-E9EACB8A83D4}" type="datetimeFigureOut">
               <a:rPr lang="en-US" smtClean="0"/>
-              <a:t>3/19/2020</a:t>
+              <a:t>3/24/2020</a:t>
             </a:fld>
             <a:endParaRPr lang="en-US"/>
           </a:p>
@@ -2242,7 +2258,7 @@
           <a:p>
             <a:fld id="{AD5F67BE-FA4E-4E0B-ADD2-E9EACB8A83D4}" type="datetimeFigureOut">
               <a:rPr lang="en-US" smtClean="0"/>
-              <a:t>3/19/2020</a:t>
+              <a:t>3/24/2020</a:t>
             </a:fld>
             <a:endParaRPr lang="en-US"/>
           </a:p>
@@ -2507,7 +2523,7 @@
           <a:p>
             <a:fld id="{AD5F67BE-FA4E-4E0B-ADD2-E9EACB8A83D4}" type="datetimeFigureOut">
               <a:rPr lang="en-US" smtClean="0"/>
-              <a:t>3/19/2020</a:t>
+              <a:t>3/24/2020</a:t>
             </a:fld>
             <a:endParaRPr lang="en-US"/>
           </a:p>
@@ -2919,7 +2935,7 @@
           <a:p>
             <a:fld id="{AD5F67BE-FA4E-4E0B-ADD2-E9EACB8A83D4}" type="datetimeFigureOut">
               <a:rPr lang="en-US" smtClean="0"/>
-              <a:t>3/19/2020</a:t>
+              <a:t>3/24/2020</a:t>
             </a:fld>
             <a:endParaRPr lang="en-US"/>
           </a:p>
@@ -3060,7 +3076,7 @@
           <a:p>
             <a:fld id="{AD5F67BE-FA4E-4E0B-ADD2-E9EACB8A83D4}" type="datetimeFigureOut">
               <a:rPr lang="en-US" smtClean="0"/>
-              <a:t>3/19/2020</a:t>
+              <a:t>3/24/2020</a:t>
             </a:fld>
             <a:endParaRPr lang="en-US"/>
           </a:p>
@@ -3173,7 +3189,7 @@
           <a:p>
             <a:fld id="{AD5F67BE-FA4E-4E0B-ADD2-E9EACB8A83D4}" type="datetimeFigureOut">
               <a:rPr lang="en-US" smtClean="0"/>
-              <a:t>3/19/2020</a:t>
+              <a:t>3/24/2020</a:t>
             </a:fld>
             <a:endParaRPr lang="en-US"/>
           </a:p>
@@ -3484,7 +3500,7 @@
           <a:p>
             <a:fld id="{AD5F67BE-FA4E-4E0B-ADD2-E9EACB8A83D4}" type="datetimeFigureOut">
               <a:rPr lang="en-US" smtClean="0"/>
-              <a:t>3/19/2020</a:t>
+              <a:t>3/24/2020</a:t>
             </a:fld>
             <a:endParaRPr lang="en-US"/>
           </a:p>
@@ -3772,7 +3788,7 @@
           <a:p>
             <a:fld id="{AD5F67BE-FA4E-4E0B-ADD2-E9EACB8A83D4}" type="datetimeFigureOut">
               <a:rPr lang="en-US" smtClean="0"/>
-              <a:t>3/19/2020</a:t>
+              <a:t>3/24/2020</a:t>
             </a:fld>
             <a:endParaRPr lang="en-US"/>
           </a:p>
@@ -4013,7 +4029,7 @@
           <a:p>
             <a:fld id="{AD5F67BE-FA4E-4E0B-ADD2-E9EACB8A83D4}" type="datetimeFigureOut">
               <a:rPr lang="en-US" smtClean="0"/>
-              <a:t>3/19/2020</a:t>
+              <a:t>3/24/2020</a:t>
             </a:fld>
             <a:endParaRPr lang="en-US"/>
           </a:p>

--- a/slides/00ML_CourseIntro.pptx
+++ b/slides/00ML_CourseIntro.pptx
@@ -216,7 +216,7 @@
           <a:p>
             <a:fld id="{C5F2B991-7762-4FD0-8B75-FBCEED4C176B}" type="datetimeFigureOut">
               <a:rPr lang="en-US" smtClean="0"/>
-              <a:t>3/24/2020</a:t>
+              <a:t>3/31/2020</a:t>
             </a:fld>
             <a:endParaRPr lang="en-US"/>
           </a:p>
@@ -1105,6 +1105,22 @@
             <a:endParaRPr lang="en-US" dirty="0"/>
           </a:p>
           <a:p>
+            <a:r>
+              <a:rPr lang="en-US" dirty="0"/>
+              <a:t>Also images. For instance. In Semi-supervised learning, face detection, then face identification (adding </a:t>
+            </a:r>
+            <a:r>
+              <a:rPr lang="en-US" dirty="0" err="1"/>
+              <a:t>lables</a:t>
+            </a:r>
+            <a:r>
+              <a:rPr lang="en-US" dirty="0"/>
+              <a:t>/names </a:t>
+            </a:r>
+            <a:r>
+              <a:rPr lang="en-US"/>
+              <a:t>to each face).</a:t>
+            </a:r>
             <a:endParaRPr lang="en-US" dirty="0"/>
           </a:p>
         </p:txBody>
@@ -1379,7 +1395,7 @@
           <a:p>
             <a:fld id="{AD5F67BE-FA4E-4E0B-ADD2-E9EACB8A83D4}" type="datetimeFigureOut">
               <a:rPr lang="en-US" smtClean="0"/>
-              <a:t>3/24/2020</a:t>
+              <a:t>3/31/2020</a:t>
             </a:fld>
             <a:endParaRPr lang="en-US"/>
           </a:p>
@@ -1577,7 +1593,7 @@
           <a:p>
             <a:fld id="{AD5F67BE-FA4E-4E0B-ADD2-E9EACB8A83D4}" type="datetimeFigureOut">
               <a:rPr lang="en-US" smtClean="0"/>
-              <a:t>3/24/2020</a:t>
+              <a:t>3/31/2020</a:t>
             </a:fld>
             <a:endParaRPr lang="en-US"/>
           </a:p>
@@ -1785,7 +1801,7 @@
           <a:p>
             <a:fld id="{AD5F67BE-FA4E-4E0B-ADD2-E9EACB8A83D4}" type="datetimeFigureOut">
               <a:rPr lang="en-US" smtClean="0"/>
-              <a:t>3/24/2020</a:t>
+              <a:t>3/31/2020</a:t>
             </a:fld>
             <a:endParaRPr lang="en-US"/>
           </a:p>
@@ -1983,7 +1999,7 @@
           <a:p>
             <a:fld id="{AD5F67BE-FA4E-4E0B-ADD2-E9EACB8A83D4}" type="datetimeFigureOut">
               <a:rPr lang="en-US" smtClean="0"/>
-              <a:t>3/24/2020</a:t>
+              <a:t>3/31/2020</a:t>
             </a:fld>
             <a:endParaRPr lang="en-US"/>
           </a:p>
@@ -2258,7 +2274,7 @@
           <a:p>
             <a:fld id="{AD5F67BE-FA4E-4E0B-ADD2-E9EACB8A83D4}" type="datetimeFigureOut">
               <a:rPr lang="en-US" smtClean="0"/>
-              <a:t>3/24/2020</a:t>
+              <a:t>3/31/2020</a:t>
             </a:fld>
             <a:endParaRPr lang="en-US"/>
           </a:p>
@@ -2523,7 +2539,7 @@
           <a:p>
             <a:fld id="{AD5F67BE-FA4E-4E0B-ADD2-E9EACB8A83D4}" type="datetimeFigureOut">
               <a:rPr lang="en-US" smtClean="0"/>
-              <a:t>3/24/2020</a:t>
+              <a:t>3/31/2020</a:t>
             </a:fld>
             <a:endParaRPr lang="en-US"/>
           </a:p>
@@ -2935,7 +2951,7 @@
           <a:p>
             <a:fld id="{AD5F67BE-FA4E-4E0B-ADD2-E9EACB8A83D4}" type="datetimeFigureOut">
               <a:rPr lang="en-US" smtClean="0"/>
-              <a:t>3/24/2020</a:t>
+              <a:t>3/31/2020</a:t>
             </a:fld>
             <a:endParaRPr lang="en-US"/>
           </a:p>
@@ -3076,7 +3092,7 @@
           <a:p>
             <a:fld id="{AD5F67BE-FA4E-4E0B-ADD2-E9EACB8A83D4}" type="datetimeFigureOut">
               <a:rPr lang="en-US" smtClean="0"/>
-              <a:t>3/24/2020</a:t>
+              <a:t>3/31/2020</a:t>
             </a:fld>
             <a:endParaRPr lang="en-US"/>
           </a:p>
@@ -3189,7 +3205,7 @@
           <a:p>
             <a:fld id="{AD5F67BE-FA4E-4E0B-ADD2-E9EACB8A83D4}" type="datetimeFigureOut">
               <a:rPr lang="en-US" smtClean="0"/>
-              <a:t>3/24/2020</a:t>
+              <a:t>3/31/2020</a:t>
             </a:fld>
             <a:endParaRPr lang="en-US"/>
           </a:p>
@@ -3500,7 +3516,7 @@
           <a:p>
             <a:fld id="{AD5F67BE-FA4E-4E0B-ADD2-E9EACB8A83D4}" type="datetimeFigureOut">
               <a:rPr lang="en-US" smtClean="0"/>
-              <a:t>3/24/2020</a:t>
+              <a:t>3/31/2020</a:t>
             </a:fld>
             <a:endParaRPr lang="en-US"/>
           </a:p>
@@ -3788,7 +3804,7 @@
           <a:p>
             <a:fld id="{AD5F67BE-FA4E-4E0B-ADD2-E9EACB8A83D4}" type="datetimeFigureOut">
               <a:rPr lang="en-US" smtClean="0"/>
-              <a:t>3/24/2020</a:t>
+              <a:t>3/31/2020</a:t>
             </a:fld>
             <a:endParaRPr lang="en-US"/>
           </a:p>
@@ -4029,7 +4045,7 @@
           <a:p>
             <a:fld id="{AD5F67BE-FA4E-4E0B-ADD2-E9EACB8A83D4}" type="datetimeFigureOut">
               <a:rPr lang="en-US" smtClean="0"/>
-              <a:t>3/24/2020</a:t>
+              <a:t>3/31/2020</a:t>
             </a:fld>
             <a:endParaRPr lang="en-US"/>
           </a:p>

--- a/slides/00ML_CourseIntro.pptx
+++ b/slides/00ML_CourseIntro.pptx
@@ -216,7 +216,7 @@
           <a:p>
             <a:fld id="{C5F2B991-7762-4FD0-8B75-FBCEED4C176B}" type="datetimeFigureOut">
               <a:rPr lang="en-US" smtClean="0"/>
-              <a:t>3/31/2020</a:t>
+              <a:t>5/19/2020</a:t>
             </a:fld>
             <a:endParaRPr lang="en-US"/>
           </a:p>
@@ -1395,7 +1395,7 @@
           <a:p>
             <a:fld id="{AD5F67BE-FA4E-4E0B-ADD2-E9EACB8A83D4}" type="datetimeFigureOut">
               <a:rPr lang="en-US" smtClean="0"/>
-              <a:t>3/31/2020</a:t>
+              <a:t>5/19/2020</a:t>
             </a:fld>
             <a:endParaRPr lang="en-US"/>
           </a:p>
@@ -1593,7 +1593,7 @@
           <a:p>
             <a:fld id="{AD5F67BE-FA4E-4E0B-ADD2-E9EACB8A83D4}" type="datetimeFigureOut">
               <a:rPr lang="en-US" smtClean="0"/>
-              <a:t>3/31/2020</a:t>
+              <a:t>5/19/2020</a:t>
             </a:fld>
             <a:endParaRPr lang="en-US"/>
           </a:p>
@@ -1801,7 +1801,7 @@
           <a:p>
             <a:fld id="{AD5F67BE-FA4E-4E0B-ADD2-E9EACB8A83D4}" type="datetimeFigureOut">
               <a:rPr lang="en-US" smtClean="0"/>
-              <a:t>3/31/2020</a:t>
+              <a:t>5/19/2020</a:t>
             </a:fld>
             <a:endParaRPr lang="en-US"/>
           </a:p>
@@ -1999,7 +1999,7 @@
           <a:p>
             <a:fld id="{AD5F67BE-FA4E-4E0B-ADD2-E9EACB8A83D4}" type="datetimeFigureOut">
               <a:rPr lang="en-US" smtClean="0"/>
-              <a:t>3/31/2020</a:t>
+              <a:t>5/19/2020</a:t>
             </a:fld>
             <a:endParaRPr lang="en-US"/>
           </a:p>
@@ -2274,7 +2274,7 @@
           <a:p>
             <a:fld id="{AD5F67BE-FA4E-4E0B-ADD2-E9EACB8A83D4}" type="datetimeFigureOut">
               <a:rPr lang="en-US" smtClean="0"/>
-              <a:t>3/31/2020</a:t>
+              <a:t>5/19/2020</a:t>
             </a:fld>
             <a:endParaRPr lang="en-US"/>
           </a:p>
@@ -2539,7 +2539,7 @@
           <a:p>
             <a:fld id="{AD5F67BE-FA4E-4E0B-ADD2-E9EACB8A83D4}" type="datetimeFigureOut">
               <a:rPr lang="en-US" smtClean="0"/>
-              <a:t>3/31/2020</a:t>
+              <a:t>5/19/2020</a:t>
             </a:fld>
             <a:endParaRPr lang="en-US"/>
           </a:p>
@@ -2951,7 +2951,7 @@
           <a:p>
             <a:fld id="{AD5F67BE-FA4E-4E0B-ADD2-E9EACB8A83D4}" type="datetimeFigureOut">
               <a:rPr lang="en-US" smtClean="0"/>
-              <a:t>3/31/2020</a:t>
+              <a:t>5/19/2020</a:t>
             </a:fld>
             <a:endParaRPr lang="en-US"/>
           </a:p>
@@ -3092,7 +3092,7 @@
           <a:p>
             <a:fld id="{AD5F67BE-FA4E-4E0B-ADD2-E9EACB8A83D4}" type="datetimeFigureOut">
               <a:rPr lang="en-US" smtClean="0"/>
-              <a:t>3/31/2020</a:t>
+              <a:t>5/19/2020</a:t>
             </a:fld>
             <a:endParaRPr lang="en-US"/>
           </a:p>
@@ -3205,7 +3205,7 @@
           <a:p>
             <a:fld id="{AD5F67BE-FA4E-4E0B-ADD2-E9EACB8A83D4}" type="datetimeFigureOut">
               <a:rPr lang="en-US" smtClean="0"/>
-              <a:t>3/31/2020</a:t>
+              <a:t>5/19/2020</a:t>
             </a:fld>
             <a:endParaRPr lang="en-US"/>
           </a:p>
@@ -3516,7 +3516,7 @@
           <a:p>
             <a:fld id="{AD5F67BE-FA4E-4E0B-ADD2-E9EACB8A83D4}" type="datetimeFigureOut">
               <a:rPr lang="en-US" smtClean="0"/>
-              <a:t>3/31/2020</a:t>
+              <a:t>5/19/2020</a:t>
             </a:fld>
             <a:endParaRPr lang="en-US"/>
           </a:p>
@@ -3804,7 +3804,7 @@
           <a:p>
             <a:fld id="{AD5F67BE-FA4E-4E0B-ADD2-E9EACB8A83D4}" type="datetimeFigureOut">
               <a:rPr lang="en-US" smtClean="0"/>
-              <a:t>3/31/2020</a:t>
+              <a:t>5/19/2020</a:t>
             </a:fld>
             <a:endParaRPr lang="en-US"/>
           </a:p>
@@ -4045,7 +4045,7 @@
           <a:p>
             <a:fld id="{AD5F67BE-FA4E-4E0B-ADD2-E9EACB8A83D4}" type="datetimeFigureOut">
               <a:rPr lang="en-US" smtClean="0"/>
-              <a:t>3/31/2020</a:t>
+              <a:t>5/19/2020</a:t>
             </a:fld>
             <a:endParaRPr lang="en-US"/>
           </a:p>
@@ -5924,6 +5924,36 @@
               </a14:hiddenFill>
             </a:ext>
           </a:extLst>
+        </p:spPr>
+      </p:pic>
+      <p:pic>
+        <p:nvPicPr>
+          <p:cNvPr id="10" name="Picture 9">
+            <a:hlinkClick r:id="rId8"/>
+            <a:extLst>
+              <a:ext uri="{FF2B5EF4-FFF2-40B4-BE49-F238E27FC236}">
+                <a16:creationId xmlns:a16="http://schemas.microsoft.com/office/drawing/2014/main" id="{FC4091B6-B1E4-4D95-BE52-AA87F852FD47}"/>
+              </a:ext>
+            </a:extLst>
+          </p:cNvPr>
+          <p:cNvPicPr>
+            <a:picLocks noChangeAspect="1"/>
+          </p:cNvPicPr>
+          <p:nvPr/>
+        </p:nvPicPr>
+        <p:blipFill rotWithShape="1">
+          <a:blip r:embed="rId9"/>
+          <a:srcRect l="4245" t="13129" r="72490" b="73391"/>
+          <a:stretch/>
+        </p:blipFill>
+        <p:spPr>
+          <a:xfrm>
+            <a:off x="6248400" y="5219780"/>
+            <a:ext cx="2261159" cy="736650"/>
+          </a:xfrm>
+          <a:prstGeom prst="rect">
+            <a:avLst/>
+          </a:prstGeom>
         </p:spPr>
       </p:pic>
     </p:spTree>

--- a/slides/00ML_CourseIntro.pptx
+++ b/slides/00ML_CourseIntro.pptx
@@ -216,7 +216,7 @@
           <a:p>
             <a:fld id="{C5F2B991-7762-4FD0-8B75-FBCEED4C176B}" type="datetimeFigureOut">
               <a:rPr lang="en-US" smtClean="0"/>
-              <a:t>5/19/2020</a:t>
+              <a:t>6/2/2020</a:t>
             </a:fld>
             <a:endParaRPr lang="en-US"/>
           </a:p>
@@ -1395,7 +1395,7 @@
           <a:p>
             <a:fld id="{AD5F67BE-FA4E-4E0B-ADD2-E9EACB8A83D4}" type="datetimeFigureOut">
               <a:rPr lang="en-US" smtClean="0"/>
-              <a:t>5/19/2020</a:t>
+              <a:t>6/2/2020</a:t>
             </a:fld>
             <a:endParaRPr lang="en-US"/>
           </a:p>
@@ -1593,7 +1593,7 @@
           <a:p>
             <a:fld id="{AD5F67BE-FA4E-4E0B-ADD2-E9EACB8A83D4}" type="datetimeFigureOut">
               <a:rPr lang="en-US" smtClean="0"/>
-              <a:t>5/19/2020</a:t>
+              <a:t>6/2/2020</a:t>
             </a:fld>
             <a:endParaRPr lang="en-US"/>
           </a:p>
@@ -1801,7 +1801,7 @@
           <a:p>
             <a:fld id="{AD5F67BE-FA4E-4E0B-ADD2-E9EACB8A83D4}" type="datetimeFigureOut">
               <a:rPr lang="en-US" smtClean="0"/>
-              <a:t>5/19/2020</a:t>
+              <a:t>6/2/2020</a:t>
             </a:fld>
             <a:endParaRPr lang="en-US"/>
           </a:p>
@@ -1999,7 +1999,7 @@
           <a:p>
             <a:fld id="{AD5F67BE-FA4E-4E0B-ADD2-E9EACB8A83D4}" type="datetimeFigureOut">
               <a:rPr lang="en-US" smtClean="0"/>
-              <a:t>5/19/2020</a:t>
+              <a:t>6/2/2020</a:t>
             </a:fld>
             <a:endParaRPr lang="en-US"/>
           </a:p>
@@ -2274,7 +2274,7 @@
           <a:p>
             <a:fld id="{AD5F67BE-FA4E-4E0B-ADD2-E9EACB8A83D4}" type="datetimeFigureOut">
               <a:rPr lang="en-US" smtClean="0"/>
-              <a:t>5/19/2020</a:t>
+              <a:t>6/2/2020</a:t>
             </a:fld>
             <a:endParaRPr lang="en-US"/>
           </a:p>
@@ -2539,7 +2539,7 @@
           <a:p>
             <a:fld id="{AD5F67BE-FA4E-4E0B-ADD2-E9EACB8A83D4}" type="datetimeFigureOut">
               <a:rPr lang="en-US" smtClean="0"/>
-              <a:t>5/19/2020</a:t>
+              <a:t>6/2/2020</a:t>
             </a:fld>
             <a:endParaRPr lang="en-US"/>
           </a:p>
@@ -2951,7 +2951,7 @@
           <a:p>
             <a:fld id="{AD5F67BE-FA4E-4E0B-ADD2-E9EACB8A83D4}" type="datetimeFigureOut">
               <a:rPr lang="en-US" smtClean="0"/>
-              <a:t>5/19/2020</a:t>
+              <a:t>6/2/2020</a:t>
             </a:fld>
             <a:endParaRPr lang="en-US"/>
           </a:p>
@@ -3092,7 +3092,7 @@
           <a:p>
             <a:fld id="{AD5F67BE-FA4E-4E0B-ADD2-E9EACB8A83D4}" type="datetimeFigureOut">
               <a:rPr lang="en-US" smtClean="0"/>
-              <a:t>5/19/2020</a:t>
+              <a:t>6/2/2020</a:t>
             </a:fld>
             <a:endParaRPr lang="en-US"/>
           </a:p>
@@ -3205,7 +3205,7 @@
           <a:p>
             <a:fld id="{AD5F67BE-FA4E-4E0B-ADD2-E9EACB8A83D4}" type="datetimeFigureOut">
               <a:rPr lang="en-US" smtClean="0"/>
-              <a:t>5/19/2020</a:t>
+              <a:t>6/2/2020</a:t>
             </a:fld>
             <a:endParaRPr lang="en-US"/>
           </a:p>
@@ -3516,7 +3516,7 @@
           <a:p>
             <a:fld id="{AD5F67BE-FA4E-4E0B-ADD2-E9EACB8A83D4}" type="datetimeFigureOut">
               <a:rPr lang="en-US" smtClean="0"/>
-              <a:t>5/19/2020</a:t>
+              <a:t>6/2/2020</a:t>
             </a:fld>
             <a:endParaRPr lang="en-US"/>
           </a:p>
@@ -3804,7 +3804,7 @@
           <a:p>
             <a:fld id="{AD5F67BE-FA4E-4E0B-ADD2-E9EACB8A83D4}" type="datetimeFigureOut">
               <a:rPr lang="en-US" smtClean="0"/>
-              <a:t>5/19/2020</a:t>
+              <a:t>6/2/2020</a:t>
             </a:fld>
             <a:endParaRPr lang="en-US"/>
           </a:p>
@@ -4045,7 +4045,7 @@
           <a:p>
             <a:fld id="{AD5F67BE-FA4E-4E0B-ADD2-E9EACB8A83D4}" type="datetimeFigureOut">
               <a:rPr lang="en-US" smtClean="0"/>
-              <a:t>5/19/2020</a:t>
+              <a:t>6/2/2020</a:t>
             </a:fld>
             <a:endParaRPr lang="en-US"/>
           </a:p>
@@ -5145,13 +5145,13 @@
           <a:p>
             <a:r>
               <a:rPr lang="en-US" dirty="0"/>
-              <a:t>20%  Theoretical </a:t>
+              <a:t>30%  Exercises (Theoretical, computational)</a:t>
             </a:r>
           </a:p>
           <a:p>
             <a:r>
               <a:rPr lang="en-US" dirty="0"/>
-              <a:t>20%  Computational exercises</a:t>
+              <a:t>30%  Homework Assignments (Computational exercises)</a:t>
             </a:r>
           </a:p>
           <a:p>
@@ -5168,7 +5168,13 @@
           </a:p>
           <a:p>
             <a:r>
-              <a:rPr lang="en-US" dirty="0"/>
+              <a:rPr lang="en-US" dirty="0">
+                <a:solidFill>
+                  <a:schemeClr val="bg1">
+                    <a:lumMod val="65000"/>
+                  </a:schemeClr>
+                </a:solidFill>
+              </a:rPr>
               <a:t>20%  MOOC (Coursera, Udemy, …)</a:t>
             </a:r>
           </a:p>

--- a/slides/00ML_CourseIntro.pptx
+++ b/slides/00ML_CourseIntro.pptx
@@ -5,7 +5,7 @@
     <p:sldMasterId id="2147483648" r:id="rId1"/>
   </p:sldMasterIdLst>
   <p:notesMasterIdLst>
-    <p:notesMasterId r:id="rId22"/>
+    <p:notesMasterId r:id="rId23"/>
   </p:notesMasterIdLst>
   <p:sldIdLst>
     <p:sldId id="256" r:id="rId2"/>
@@ -28,6 +28,7 @@
     <p:sldId id="281" r:id="rId19"/>
     <p:sldId id="284" r:id="rId20"/>
     <p:sldId id="276" r:id="rId21"/>
+    <p:sldId id="285" r:id="rId22"/>
   </p:sldIdLst>
   <p:sldSz cx="12192000" cy="6858000"/>
   <p:notesSz cx="6858000" cy="9144000"/>
@@ -216,7 +217,7 @@
           <a:p>
             <a:fld id="{C5F2B991-7762-4FD0-8B75-FBCEED4C176B}" type="datetimeFigureOut">
               <a:rPr lang="en-US" smtClean="0"/>
-              <a:t>6/2/2020</a:t>
+              <a:t>6/6/2020</a:t>
             </a:fld>
             <a:endParaRPr lang="en-US"/>
           </a:p>
@@ -1395,7 +1396,7 @@
           <a:p>
             <a:fld id="{AD5F67BE-FA4E-4E0B-ADD2-E9EACB8A83D4}" type="datetimeFigureOut">
               <a:rPr lang="en-US" smtClean="0"/>
-              <a:t>6/2/2020</a:t>
+              <a:t>6/6/2020</a:t>
             </a:fld>
             <a:endParaRPr lang="en-US"/>
           </a:p>
@@ -1593,7 +1594,7 @@
           <a:p>
             <a:fld id="{AD5F67BE-FA4E-4E0B-ADD2-E9EACB8A83D4}" type="datetimeFigureOut">
               <a:rPr lang="en-US" smtClean="0"/>
-              <a:t>6/2/2020</a:t>
+              <a:t>6/6/2020</a:t>
             </a:fld>
             <a:endParaRPr lang="en-US"/>
           </a:p>
@@ -1801,7 +1802,7 @@
           <a:p>
             <a:fld id="{AD5F67BE-FA4E-4E0B-ADD2-E9EACB8A83D4}" type="datetimeFigureOut">
               <a:rPr lang="en-US" smtClean="0"/>
-              <a:t>6/2/2020</a:t>
+              <a:t>6/6/2020</a:t>
             </a:fld>
             <a:endParaRPr lang="en-US"/>
           </a:p>
@@ -1999,7 +2000,7 @@
           <a:p>
             <a:fld id="{AD5F67BE-FA4E-4E0B-ADD2-E9EACB8A83D4}" type="datetimeFigureOut">
               <a:rPr lang="en-US" smtClean="0"/>
-              <a:t>6/2/2020</a:t>
+              <a:t>6/6/2020</a:t>
             </a:fld>
             <a:endParaRPr lang="en-US"/>
           </a:p>
@@ -2274,7 +2275,7 @@
           <a:p>
             <a:fld id="{AD5F67BE-FA4E-4E0B-ADD2-E9EACB8A83D4}" type="datetimeFigureOut">
               <a:rPr lang="en-US" smtClean="0"/>
-              <a:t>6/2/2020</a:t>
+              <a:t>6/6/2020</a:t>
             </a:fld>
             <a:endParaRPr lang="en-US"/>
           </a:p>
@@ -2539,7 +2540,7 @@
           <a:p>
             <a:fld id="{AD5F67BE-FA4E-4E0B-ADD2-E9EACB8A83D4}" type="datetimeFigureOut">
               <a:rPr lang="en-US" smtClean="0"/>
-              <a:t>6/2/2020</a:t>
+              <a:t>6/6/2020</a:t>
             </a:fld>
             <a:endParaRPr lang="en-US"/>
           </a:p>
@@ -2951,7 +2952,7 @@
           <a:p>
             <a:fld id="{AD5F67BE-FA4E-4E0B-ADD2-E9EACB8A83D4}" type="datetimeFigureOut">
               <a:rPr lang="en-US" smtClean="0"/>
-              <a:t>6/2/2020</a:t>
+              <a:t>6/6/2020</a:t>
             </a:fld>
             <a:endParaRPr lang="en-US"/>
           </a:p>
@@ -3092,7 +3093,7 @@
           <a:p>
             <a:fld id="{AD5F67BE-FA4E-4E0B-ADD2-E9EACB8A83D4}" type="datetimeFigureOut">
               <a:rPr lang="en-US" smtClean="0"/>
-              <a:t>6/2/2020</a:t>
+              <a:t>6/6/2020</a:t>
             </a:fld>
             <a:endParaRPr lang="en-US"/>
           </a:p>
@@ -3205,7 +3206,7 @@
           <a:p>
             <a:fld id="{AD5F67BE-FA4E-4E0B-ADD2-E9EACB8A83D4}" type="datetimeFigureOut">
               <a:rPr lang="en-US" smtClean="0"/>
-              <a:t>6/2/2020</a:t>
+              <a:t>6/6/2020</a:t>
             </a:fld>
             <a:endParaRPr lang="en-US"/>
           </a:p>
@@ -3516,7 +3517,7 @@
           <a:p>
             <a:fld id="{AD5F67BE-FA4E-4E0B-ADD2-E9EACB8A83D4}" type="datetimeFigureOut">
               <a:rPr lang="en-US" smtClean="0"/>
-              <a:t>6/2/2020</a:t>
+              <a:t>6/6/2020</a:t>
             </a:fld>
             <a:endParaRPr lang="en-US"/>
           </a:p>
@@ -3804,7 +3805,7 @@
           <a:p>
             <a:fld id="{AD5F67BE-FA4E-4E0B-ADD2-E9EACB8A83D4}" type="datetimeFigureOut">
               <a:rPr lang="en-US" smtClean="0"/>
-              <a:t>6/2/2020</a:t>
+              <a:t>6/6/2020</a:t>
             </a:fld>
             <a:endParaRPr lang="en-US"/>
           </a:p>
@@ -4045,7 +4046,7 @@
           <a:p>
             <a:fld id="{AD5F67BE-FA4E-4E0B-ADD2-E9EACB8A83D4}" type="datetimeFigureOut">
               <a:rPr lang="en-US" smtClean="0"/>
-              <a:t>6/2/2020</a:t>
+              <a:t>6/6/2020</a:t>
             </a:fld>
             <a:endParaRPr lang="en-US"/>
           </a:p>
@@ -6778,6 +6779,22 @@
               <a:t> 06 Machine Learning: Intro to Machine Learning</a:t>
             </a:r>
             <a:endParaRPr lang="en-US" dirty="0"/>
+          </a:p>
+          <a:p>
+            <a:r>
+              <a:rPr lang="en-US" dirty="0"/>
+              <a:t>Machine learning algorithms in Big Data (</a:t>
+            </a:r>
+            <a:r>
+              <a:rPr lang="en-US" dirty="0">
+                <a:hlinkClick r:id="rId4"/>
+              </a:rPr>
+              <a:t>Apache Spark</a:t>
+            </a:r>
+            <a:r>
+              <a:rPr lang="en-US" dirty="0"/>
+              <a:t>)</a:t>
+            </a:r>
           </a:p>
         </p:txBody>
       </p:sp>
@@ -8451,6 +8468,104 @@
     <p:extLst>
       <p:ext uri="{BB962C8B-B14F-4D97-AF65-F5344CB8AC3E}">
         <p14:creationId xmlns:p14="http://schemas.microsoft.com/office/powerpoint/2010/main" val="177766286"/>
+      </p:ext>
+    </p:extLst>
+  </p:cSld>
+  <p:clrMapOvr>
+    <a:masterClrMapping/>
+  </p:clrMapOvr>
+</p:sld>
+</file>
+
+<file path=ppt/slides/slide21.xml><?xml version="1.0" encoding="utf-8"?>
+<p:sld xmlns:a="http://schemas.openxmlformats.org/drawingml/2006/main" xmlns:r="http://schemas.openxmlformats.org/officeDocument/2006/relationships" xmlns:p="http://schemas.openxmlformats.org/presentationml/2006/main">
+  <p:cSld>
+    <p:spTree>
+      <p:nvGrpSpPr>
+        <p:cNvPr id="1" name=""/>
+        <p:cNvGrpSpPr/>
+        <p:nvPr/>
+      </p:nvGrpSpPr>
+      <p:grpSpPr>
+        <a:xfrm>
+          <a:off x="0" y="0"/>
+          <a:ext cx="0" cy="0"/>
+          <a:chOff x="0" y="0"/>
+          <a:chExt cx="0" cy="0"/>
+        </a:xfrm>
+      </p:grpSpPr>
+      <p:sp>
+        <p:nvSpPr>
+          <p:cNvPr id="2" name="Title 1">
+            <a:extLst>
+              <a:ext uri="{FF2B5EF4-FFF2-40B4-BE49-F238E27FC236}">
+                <a16:creationId xmlns:a16="http://schemas.microsoft.com/office/drawing/2014/main" id="{8E6528D2-93FD-417C-82FC-8BCEF2F68CAC}"/>
+              </a:ext>
+            </a:extLst>
+          </p:cNvPr>
+          <p:cNvSpPr>
+            <a:spLocks noGrp="1"/>
+          </p:cNvSpPr>
+          <p:nvPr>
+            <p:ph type="title"/>
+          </p:nvPr>
+        </p:nvSpPr>
+        <p:spPr/>
+        <p:txBody>
+          <a:bodyPr/>
+          <a:lstStyle/>
+          <a:p>
+            <a:r>
+              <a:rPr lang="en-US" dirty="0"/>
+              <a:t>Other topics</a:t>
+            </a:r>
+          </a:p>
+        </p:txBody>
+      </p:sp>
+      <p:sp>
+        <p:nvSpPr>
+          <p:cNvPr id="3" name="Content Placeholder 2">
+            <a:extLst>
+              <a:ext uri="{FF2B5EF4-FFF2-40B4-BE49-F238E27FC236}">
+                <a16:creationId xmlns:a16="http://schemas.microsoft.com/office/drawing/2014/main" id="{DF738EDE-77E9-462D-856A-EF404F5BE8FC}"/>
+              </a:ext>
+            </a:extLst>
+          </p:cNvPr>
+          <p:cNvSpPr>
+            <a:spLocks noGrp="1"/>
+          </p:cNvSpPr>
+          <p:nvPr>
+            <p:ph idx="1"/>
+          </p:nvPr>
+        </p:nvSpPr>
+        <p:spPr/>
+        <p:txBody>
+          <a:bodyPr/>
+          <a:lstStyle/>
+          <a:p>
+            <a:r>
+              <a:rPr lang="en-US" dirty="0">
+                <a:hlinkClick r:id="rId2"/>
+              </a:rPr>
+              <a:t>Copulas in Machine Learning</a:t>
+            </a:r>
+            <a:endParaRPr lang="en-US" dirty="0"/>
+          </a:p>
+          <a:p>
+            <a:r>
+              <a:rPr lang="en-US" dirty="0">
+                <a:hlinkClick r:id="rId3"/>
+              </a:rPr>
+              <a:t>https://medium.com/kxytechnologies/a-primer-on-copulas-from-a-machine-learning-perspective-b9ea11c8681b</a:t>
+            </a:r>
+            <a:endParaRPr lang="en-US" dirty="0"/>
+          </a:p>
+        </p:txBody>
+      </p:sp>
+    </p:spTree>
+    <p:extLst>
+      <p:ext uri="{BB962C8B-B14F-4D97-AF65-F5344CB8AC3E}">
+        <p14:creationId xmlns:p14="http://schemas.microsoft.com/office/powerpoint/2010/main" val="524657850"/>
       </p:ext>
     </p:extLst>
   </p:cSld>

--- a/slides/00ML_CourseIntro.pptx
+++ b/slides/00ML_CourseIntro.pptx
@@ -5,7 +5,7 @@
     <p:sldMasterId id="2147483648" r:id="rId1"/>
   </p:sldMasterIdLst>
   <p:notesMasterIdLst>
-    <p:notesMasterId r:id="rId23"/>
+    <p:notesMasterId r:id="rId24"/>
   </p:notesMasterIdLst>
   <p:sldIdLst>
     <p:sldId id="256" r:id="rId2"/>
@@ -26,9 +26,10 @@
     <p:sldId id="268" r:id="rId17"/>
     <p:sldId id="280" r:id="rId18"/>
     <p:sldId id="281" r:id="rId19"/>
-    <p:sldId id="284" r:id="rId20"/>
-    <p:sldId id="276" r:id="rId21"/>
-    <p:sldId id="285" r:id="rId22"/>
+    <p:sldId id="286" r:id="rId20"/>
+    <p:sldId id="284" r:id="rId21"/>
+    <p:sldId id="276" r:id="rId22"/>
+    <p:sldId id="285" r:id="rId23"/>
   </p:sldIdLst>
   <p:sldSz cx="12192000" cy="6858000"/>
   <p:notesSz cx="6858000" cy="9144000"/>
@@ -217,7 +218,7 @@
           <a:p>
             <a:fld id="{C5F2B991-7762-4FD0-8B75-FBCEED4C176B}" type="datetimeFigureOut">
               <a:rPr lang="en-US" smtClean="0"/>
-              <a:t>6/6/2020</a:t>
+              <a:t>12/30/2020</a:t>
             </a:fld>
             <a:endParaRPr lang="en-US"/>
           </a:p>
@@ -1396,7 +1397,7 @@
           <a:p>
             <a:fld id="{AD5F67BE-FA4E-4E0B-ADD2-E9EACB8A83D4}" type="datetimeFigureOut">
               <a:rPr lang="en-US" smtClean="0"/>
-              <a:t>6/6/2020</a:t>
+              <a:t>12/30/2020</a:t>
             </a:fld>
             <a:endParaRPr lang="en-US"/>
           </a:p>
@@ -1594,7 +1595,7 @@
           <a:p>
             <a:fld id="{AD5F67BE-FA4E-4E0B-ADD2-E9EACB8A83D4}" type="datetimeFigureOut">
               <a:rPr lang="en-US" smtClean="0"/>
-              <a:t>6/6/2020</a:t>
+              <a:t>12/30/2020</a:t>
             </a:fld>
             <a:endParaRPr lang="en-US"/>
           </a:p>
@@ -1802,7 +1803,7 @@
           <a:p>
             <a:fld id="{AD5F67BE-FA4E-4E0B-ADD2-E9EACB8A83D4}" type="datetimeFigureOut">
               <a:rPr lang="en-US" smtClean="0"/>
-              <a:t>6/6/2020</a:t>
+              <a:t>12/30/2020</a:t>
             </a:fld>
             <a:endParaRPr lang="en-US"/>
           </a:p>
@@ -2000,7 +2001,7 @@
           <a:p>
             <a:fld id="{AD5F67BE-FA4E-4E0B-ADD2-E9EACB8A83D4}" type="datetimeFigureOut">
               <a:rPr lang="en-US" smtClean="0"/>
-              <a:t>6/6/2020</a:t>
+              <a:t>12/30/2020</a:t>
             </a:fld>
             <a:endParaRPr lang="en-US"/>
           </a:p>
@@ -2275,7 +2276,7 @@
           <a:p>
             <a:fld id="{AD5F67BE-FA4E-4E0B-ADD2-E9EACB8A83D4}" type="datetimeFigureOut">
               <a:rPr lang="en-US" smtClean="0"/>
-              <a:t>6/6/2020</a:t>
+              <a:t>12/30/2020</a:t>
             </a:fld>
             <a:endParaRPr lang="en-US"/>
           </a:p>
@@ -2540,7 +2541,7 @@
           <a:p>
             <a:fld id="{AD5F67BE-FA4E-4E0B-ADD2-E9EACB8A83D4}" type="datetimeFigureOut">
               <a:rPr lang="en-US" smtClean="0"/>
-              <a:t>6/6/2020</a:t>
+              <a:t>12/30/2020</a:t>
             </a:fld>
             <a:endParaRPr lang="en-US"/>
           </a:p>
@@ -2952,7 +2953,7 @@
           <a:p>
             <a:fld id="{AD5F67BE-FA4E-4E0B-ADD2-E9EACB8A83D4}" type="datetimeFigureOut">
               <a:rPr lang="en-US" smtClean="0"/>
-              <a:t>6/6/2020</a:t>
+              <a:t>12/30/2020</a:t>
             </a:fld>
             <a:endParaRPr lang="en-US"/>
           </a:p>
@@ -3093,7 +3094,7 @@
           <a:p>
             <a:fld id="{AD5F67BE-FA4E-4E0B-ADD2-E9EACB8A83D4}" type="datetimeFigureOut">
               <a:rPr lang="en-US" smtClean="0"/>
-              <a:t>6/6/2020</a:t>
+              <a:t>12/30/2020</a:t>
             </a:fld>
             <a:endParaRPr lang="en-US"/>
           </a:p>
@@ -3206,7 +3207,7 @@
           <a:p>
             <a:fld id="{AD5F67BE-FA4E-4E0B-ADD2-E9EACB8A83D4}" type="datetimeFigureOut">
               <a:rPr lang="en-US" smtClean="0"/>
-              <a:t>6/6/2020</a:t>
+              <a:t>12/30/2020</a:t>
             </a:fld>
             <a:endParaRPr lang="en-US"/>
           </a:p>
@@ -3517,7 +3518,7 @@
           <a:p>
             <a:fld id="{AD5F67BE-FA4E-4E0B-ADD2-E9EACB8A83D4}" type="datetimeFigureOut">
               <a:rPr lang="en-US" smtClean="0"/>
-              <a:t>6/6/2020</a:t>
+              <a:t>12/30/2020</a:t>
             </a:fld>
             <a:endParaRPr lang="en-US"/>
           </a:p>
@@ -3805,7 +3806,7 @@
           <a:p>
             <a:fld id="{AD5F67BE-FA4E-4E0B-ADD2-E9EACB8A83D4}" type="datetimeFigureOut">
               <a:rPr lang="en-US" smtClean="0"/>
-              <a:t>6/6/2020</a:t>
+              <a:t>12/30/2020</a:t>
             </a:fld>
             <a:endParaRPr lang="en-US"/>
           </a:p>
@@ -4046,7 +4047,7 @@
           <a:p>
             <a:fld id="{AD5F67BE-FA4E-4E0B-ADD2-E9EACB8A83D4}" type="datetimeFigureOut">
               <a:rPr lang="en-US" smtClean="0"/>
-              <a:t>6/6/2020</a:t>
+              <a:t>12/30/2020</a:t>
             </a:fld>
             <a:endParaRPr lang="en-US"/>
           </a:p>
@@ -6695,7 +6696,7 @@
           <p:cNvPr id="2" name="Title 1">
             <a:extLst>
               <a:ext uri="{FF2B5EF4-FFF2-40B4-BE49-F238E27FC236}">
-                <a16:creationId xmlns:a16="http://schemas.microsoft.com/office/drawing/2014/main" id="{D4E072E0-2F12-4083-9458-A6529A9E6589}"/>
+                <a16:creationId xmlns:a16="http://schemas.microsoft.com/office/drawing/2014/main" id="{CF3E7563-B86D-4191-AFC3-10CC9BFC4A1A}"/>
               </a:ext>
             </a:extLst>
           </p:cNvPr>
@@ -6713,7 +6714,7 @@
           <a:p>
             <a:r>
               <a:rPr lang="en-US" dirty="0"/>
-              <a:t>See also</a:t>
+              <a:t>Bibliography</a:t>
             </a:r>
           </a:p>
         </p:txBody>
@@ -6723,7 +6724,7 @@
           <p:cNvPr id="3" name="Content Placeholder 2">
             <a:extLst>
               <a:ext uri="{FF2B5EF4-FFF2-40B4-BE49-F238E27FC236}">
-                <a16:creationId xmlns:a16="http://schemas.microsoft.com/office/drawing/2014/main" id="{23B13402-4712-4EE7-B31E-01BE2C3E94F3}"/>
+                <a16:creationId xmlns:a16="http://schemas.microsoft.com/office/drawing/2014/main" id="{30EA954E-A790-4FAC-BC83-CAB055DF7A8B}"/>
               </a:ext>
             </a:extLst>
           </p:cNvPr>
@@ -6736,72 +6737,101 @@
         </p:nvSpPr>
         <p:spPr/>
         <p:txBody>
-          <a:bodyPr/>
+          <a:bodyPr>
+            <a:normAutofit fontScale="92500" lnSpcReduction="20000"/>
+          </a:bodyPr>
           <a:lstStyle/>
           <a:p>
+            <a:r>
+              <a:rPr lang="en-US" dirty="0"/>
+              <a:t>Gareth James, Daniela Witten, Trevor Hastie and Robert </a:t>
+            </a:r>
+            <a:r>
+              <a:rPr lang="en-US" dirty="0" err="1"/>
+              <a:t>Tibshirani</a:t>
+            </a:r>
+            <a:r>
+              <a:rPr lang="en-US" dirty="0"/>
+              <a:t>. An Introduction to Statistical Learning, with Applications in R.</a:t>
+            </a:r>
+          </a:p>
+          <a:p>
+            <a:r>
+              <a:rPr lang="en-US" dirty="0"/>
+              <a:t>Bishop, Christopher. 2006. Pattern Recognition and Machine Learning. Information Science and Statistics. New York: Springer-Verlag. </a:t>
+            </a:r>
             <a:r>
               <a:rPr lang="en-US" dirty="0">
                 <a:hlinkClick r:id="rId2"/>
               </a:rPr>
-              <a:t>YouTube Michael </a:t>
-            </a:r>
-            <a:r>
-              <a:rPr lang="en-US" dirty="0" err="1">
-                <a:hlinkClick r:id="rId2"/>
-              </a:rPr>
-              <a:t>Pyrcz</a:t>
-            </a:r>
-            <a:r>
-              <a:rPr lang="en-US" dirty="0">
-                <a:hlinkClick r:id="rId2"/>
-              </a:rPr>
-              <a:t> 00 Machine Learning: Introduction</a:t>
-            </a:r>
-            <a:endParaRPr lang="en-US" dirty="0"/>
-          </a:p>
-          <a:p>
+              <a:t>https://www.springer.com/us/book/9780387310732</a:t>
+            </a:r>
+            <a:r>
+              <a:rPr lang="en-US" dirty="0"/>
+              <a:t>.</a:t>
+            </a:r>
+          </a:p>
+          <a:p>
+            <a:r>
+              <a:rPr lang="en-US" dirty="0"/>
+              <a:t>Software tools. </a:t>
+            </a:r>
+            <a:r>
+              <a:rPr lang="en-US" dirty="0" err="1"/>
+              <a:t>Géron</a:t>
+            </a:r>
+            <a:r>
+              <a:rPr lang="en-US" dirty="0"/>
+              <a:t>, </a:t>
+            </a:r>
+            <a:r>
+              <a:rPr lang="en-US" dirty="0" err="1"/>
+              <a:t>Aurélien</a:t>
+            </a:r>
+            <a:r>
+              <a:rPr lang="en-US" dirty="0"/>
+              <a:t>. 2019. Hands-On Machine Learning with Scikit-Learn, </a:t>
+            </a:r>
+            <a:r>
+              <a:rPr lang="en-US" dirty="0" err="1"/>
+              <a:t>Keras</a:t>
+            </a:r>
+            <a:r>
+              <a:rPr lang="en-US" dirty="0"/>
+              <a:t> and TensorFlow. </a:t>
+            </a:r>
             <a:r>
               <a:rPr lang="en-US" dirty="0">
                 <a:hlinkClick r:id="rId3"/>
               </a:rPr>
-              <a:t>YouTube Michael </a:t>
-            </a:r>
-            <a:r>
-              <a:rPr lang="en-US" dirty="0" err="1">
-                <a:hlinkClick r:id="rId3"/>
-              </a:rPr>
-              <a:t>Pyrcz</a:t>
-            </a:r>
-            <a:r>
-              <a:rPr lang="en-US" dirty="0">
-                <a:hlinkClick r:id="rId3"/>
-              </a:rPr>
-              <a:t> 06 Machine Learning: Intro to Machine Learning</a:t>
+              <a:t>https://www.oreilly.com/library/view/hands-on-machine-learning/9781492032632/.</a:t>
             </a:r>
             <a:endParaRPr lang="en-US" dirty="0"/>
           </a:p>
           <a:p>
-            <a:r>
-              <a:rPr lang="en-US" dirty="0"/>
-              <a:t>Machine learning algorithms in Big Data (</a:t>
-            </a:r>
             <a:r>
               <a:rPr lang="en-US" dirty="0">
                 <a:hlinkClick r:id="rId4"/>
               </a:rPr>
-              <a:t>Apache Spark</a:t>
-            </a:r>
-            <a:r>
-              <a:rPr lang="en-US" dirty="0"/>
-              <a:t>)</a:t>
-            </a:r>
+              <a:t>https://www.deeplearningbook.org/</a:t>
+            </a:r>
+            <a:endParaRPr lang="en-US" dirty="0"/>
+          </a:p>
+          <a:p>
+            <a:r>
+              <a:rPr lang="en-US">
+                <a:hlinkClick r:id="rId5"/>
+              </a:rPr>
+              <a:t>https://www.tensorflow.org/resources/learn-ml/theoretical-and-advanced-machine-learning</a:t>
+            </a:r>
+            <a:endParaRPr lang="en-US"/>
           </a:p>
         </p:txBody>
       </p:sp>
     </p:spTree>
     <p:extLst>
       <p:ext uri="{BB962C8B-B14F-4D97-AF65-F5344CB8AC3E}">
-        <p14:creationId xmlns:p14="http://schemas.microsoft.com/office/powerpoint/2010/main" val="1170818166"/>
+        <p14:creationId xmlns:p14="http://schemas.microsoft.com/office/powerpoint/2010/main" val="2156534398"/>
       </p:ext>
     </p:extLst>
   </p:cSld>
@@ -6874,7 +6904,7 @@
                 <p:ph idx="1"/>
                 <p:extLst>
                   <p:ext uri="{D42A27DB-BD31-4B8C-83A1-F6EECF244321}">
-                    <p14:modId xmlns:p14="http://schemas.microsoft.com/office/powerpoint/2010/main" val="4122525889"/>
+                    <p14:modId xmlns:p14="http://schemas.microsoft.com/office/powerpoint/2010/main" val="408874501"/>
                   </p:ext>
                 </p:extLst>
               </p:nvPr>
@@ -6927,6 +6957,9 @@
                               <m:oMath xmlns:m="http://schemas.openxmlformats.org/officeDocument/2006/math">
                                 <m:r>
                                   <a:rPr lang="en-US" sz="2400" b="1" i="1" smtClean="0">
+                                    <a:solidFill>
+                                      <a:srgbClr val="92D050"/>
+                                    </a:solidFill>
                                     <a:latin typeface="Cambria Math" panose="02040503050406030204" pitchFamily="18" charset="0"/>
                                   </a:rPr>
                                   <m:t>𝒙</m:t>
@@ -6934,7 +6967,11 @@
                               </m:oMath>
                             </m:oMathPara>
                           </a14:m>
-                          <a:endParaRPr lang="en-US" sz="2400" dirty="0"/>
+                          <a:endParaRPr lang="en-US" sz="2400" dirty="0">
+                            <a:solidFill>
+                              <a:srgbClr val="92D050"/>
+                            </a:solidFill>
+                          </a:endParaRPr>
                         </a:p>
                       </a:txBody>
                       <a:tcPr/>
@@ -7130,7 +7167,7 @@
                 <p:ph idx="1"/>
                 <p:extLst>
                   <p:ext uri="{D42A27DB-BD31-4B8C-83A1-F6EECF244321}">
-                    <p14:modId xmlns:p14="http://schemas.microsoft.com/office/powerpoint/2010/main" val="4122525889"/>
+                    <p14:modId xmlns:p14="http://schemas.microsoft.com/office/powerpoint/2010/main" val="408874501"/>
                   </p:ext>
                 </p:extLst>
               </p:nvPr>
@@ -8282,6 +8319,144 @@
           <p:cNvPr id="2" name="Title 1">
             <a:extLst>
               <a:ext uri="{FF2B5EF4-FFF2-40B4-BE49-F238E27FC236}">
+                <a16:creationId xmlns:a16="http://schemas.microsoft.com/office/drawing/2014/main" id="{D4E072E0-2F12-4083-9458-A6529A9E6589}"/>
+              </a:ext>
+            </a:extLst>
+          </p:cNvPr>
+          <p:cNvSpPr>
+            <a:spLocks noGrp="1"/>
+          </p:cNvSpPr>
+          <p:nvPr>
+            <p:ph type="title"/>
+          </p:nvPr>
+        </p:nvSpPr>
+        <p:spPr/>
+        <p:txBody>
+          <a:bodyPr/>
+          <a:lstStyle/>
+          <a:p>
+            <a:r>
+              <a:rPr lang="en-US" dirty="0"/>
+              <a:t>See also</a:t>
+            </a:r>
+          </a:p>
+        </p:txBody>
+      </p:sp>
+      <p:sp>
+        <p:nvSpPr>
+          <p:cNvPr id="3" name="Content Placeholder 2">
+            <a:extLst>
+              <a:ext uri="{FF2B5EF4-FFF2-40B4-BE49-F238E27FC236}">
+                <a16:creationId xmlns:a16="http://schemas.microsoft.com/office/drawing/2014/main" id="{23B13402-4712-4EE7-B31E-01BE2C3E94F3}"/>
+              </a:ext>
+            </a:extLst>
+          </p:cNvPr>
+          <p:cNvSpPr>
+            <a:spLocks noGrp="1"/>
+          </p:cNvSpPr>
+          <p:nvPr>
+            <p:ph idx="1"/>
+          </p:nvPr>
+        </p:nvSpPr>
+        <p:spPr/>
+        <p:txBody>
+          <a:bodyPr/>
+          <a:lstStyle/>
+          <a:p>
+            <a:r>
+              <a:rPr lang="en-US" dirty="0">
+                <a:hlinkClick r:id="rId2"/>
+              </a:rPr>
+              <a:t>YouTube Michael </a:t>
+            </a:r>
+            <a:r>
+              <a:rPr lang="en-US" dirty="0" err="1">
+                <a:hlinkClick r:id="rId2"/>
+              </a:rPr>
+              <a:t>Pyrcz</a:t>
+            </a:r>
+            <a:r>
+              <a:rPr lang="en-US" dirty="0">
+                <a:hlinkClick r:id="rId2"/>
+              </a:rPr>
+              <a:t> 00 Machine Learning: Introduction</a:t>
+            </a:r>
+            <a:endParaRPr lang="en-US" dirty="0"/>
+          </a:p>
+          <a:p>
+            <a:r>
+              <a:rPr lang="en-US" dirty="0">
+                <a:hlinkClick r:id="rId3"/>
+              </a:rPr>
+              <a:t>YouTube Michael </a:t>
+            </a:r>
+            <a:r>
+              <a:rPr lang="en-US" dirty="0" err="1">
+                <a:hlinkClick r:id="rId3"/>
+              </a:rPr>
+              <a:t>Pyrcz</a:t>
+            </a:r>
+            <a:r>
+              <a:rPr lang="en-US" dirty="0">
+                <a:hlinkClick r:id="rId3"/>
+              </a:rPr>
+              <a:t> 06 Machine Learning: Intro to Machine Learning</a:t>
+            </a:r>
+            <a:endParaRPr lang="en-US" dirty="0"/>
+          </a:p>
+          <a:p>
+            <a:r>
+              <a:rPr lang="en-US" dirty="0"/>
+              <a:t>Machine learning algorithms in Big Data (</a:t>
+            </a:r>
+            <a:r>
+              <a:rPr lang="en-US" dirty="0">
+                <a:hlinkClick r:id="rId4"/>
+              </a:rPr>
+              <a:t>Apache Spark</a:t>
+            </a:r>
+            <a:r>
+              <a:rPr lang="en-US" dirty="0"/>
+              <a:t>)</a:t>
+            </a:r>
+          </a:p>
+        </p:txBody>
+      </p:sp>
+    </p:spTree>
+    <p:extLst>
+      <p:ext uri="{BB962C8B-B14F-4D97-AF65-F5344CB8AC3E}">
+        <p14:creationId xmlns:p14="http://schemas.microsoft.com/office/powerpoint/2010/main" val="1170818166"/>
+      </p:ext>
+    </p:extLst>
+  </p:cSld>
+  <p:clrMapOvr>
+    <a:masterClrMapping/>
+  </p:clrMapOvr>
+</p:sld>
+</file>
+
+<file path=ppt/slides/slide21.xml><?xml version="1.0" encoding="utf-8"?>
+<p:sld xmlns:a="http://schemas.openxmlformats.org/drawingml/2006/main" xmlns:r="http://schemas.openxmlformats.org/officeDocument/2006/relationships" xmlns:p="http://schemas.openxmlformats.org/presentationml/2006/main">
+  <p:cSld>
+    <p:spTree>
+      <p:nvGrpSpPr>
+        <p:cNvPr id="1" name=""/>
+        <p:cNvGrpSpPr/>
+        <p:nvPr/>
+      </p:nvGrpSpPr>
+      <p:grpSpPr>
+        <a:xfrm>
+          <a:off x="0" y="0"/>
+          <a:ext cx="0" cy="0"/>
+          <a:chOff x="0" y="0"/>
+          <a:chExt cx="0" cy="0"/>
+        </a:xfrm>
+      </p:grpSpPr>
+      <p:sp>
+        <p:nvSpPr>
+          <p:cNvPr id="2" name="Title 1">
+            <a:extLst>
+              <a:ext uri="{FF2B5EF4-FFF2-40B4-BE49-F238E27FC236}">
                 <a16:creationId xmlns:a16="http://schemas.microsoft.com/office/drawing/2014/main" id="{8E418A5A-7AEC-4CB5-9E93-81BFA17F6477}"/>
               </a:ext>
             </a:extLst>
@@ -8477,7 +8652,7 @@
 </p:sld>
 </file>
 
-<file path=ppt/slides/slide21.xml><?xml version="1.0" encoding="utf-8"?>
+<file path=ppt/slides/slide22.xml><?xml version="1.0" encoding="utf-8"?>
 <p:sld xmlns:a="http://schemas.openxmlformats.org/drawingml/2006/main" xmlns:r="http://schemas.openxmlformats.org/officeDocument/2006/relationships" xmlns:p="http://schemas.openxmlformats.org/presentationml/2006/main">
   <p:cSld>
     <p:spTree>
